--- a/img/posts/poor-mans-RL/images.pptx
+++ b/img/posts/poor-mans-RL/images.pptx
@@ -6,6 +6,7 @@
   </p:sldMasterIdLst>
   <p:sldIdLst>
     <p:sldId id="256" r:id="rId2"/>
+    <p:sldId id="257" r:id="rId3"/>
   </p:sldIdLst>
   <p:sldSz cx="12192000" cy="6858000"/>
   <p:notesSz cx="6858000" cy="9144000"/>
@@ -104,7 +105,16 @@
       </a:defRPr>
     </a:lvl9pPr>
   </p:defaultTextStyle>
+  <p:extLst>
+    <p:ext uri="{EFAFB233-063F-42B5-8137-9DF3F51BA10A}">
+      <p15:sldGuideLst xmlns:p15="http://schemas.microsoft.com/office/powerpoint/2012/main"/>
+    </p:ext>
+  </p:extLst>
 </p:presentation>
+</file>
+
+<file path=ppt/revisionInfo.xml><?xml version="1.0" encoding="utf-8"?>
+<p1510:revInfo xmlns:a="http://schemas.openxmlformats.org/drawingml/2006/main" xmlns:r="http://schemas.openxmlformats.org/officeDocument/2006/relationships" xmlns:p1510="http://schemas.microsoft.com/office/powerpoint/2015/10/main"/>
 </file>
 
 <file path=ppt/slideLayouts/slideLayout1.xml><?xml version="1.0" encoding="utf-8"?>
@@ -256,7 +266,7 @@
           <a:p>
             <a:fld id="{0AF79A46-BAC2-4F15-BB52-B3581FC2A074}" type="datetimeFigureOut">
               <a:rPr lang="en-GB" smtClean="0"/>
-              <a:t>20/11/2017</a:t>
+              <a:t>17/12/2017</a:t>
             </a:fld>
             <a:endParaRPr lang="en-GB"/>
           </a:p>
@@ -456,7 +466,7 @@
           <a:p>
             <a:fld id="{0AF79A46-BAC2-4F15-BB52-B3581FC2A074}" type="datetimeFigureOut">
               <a:rPr lang="en-GB" smtClean="0"/>
-              <a:t>20/11/2017</a:t>
+              <a:t>17/12/2017</a:t>
             </a:fld>
             <a:endParaRPr lang="en-GB"/>
           </a:p>
@@ -666,7 +676,7 @@
           <a:p>
             <a:fld id="{0AF79A46-BAC2-4F15-BB52-B3581FC2A074}" type="datetimeFigureOut">
               <a:rPr lang="en-GB" smtClean="0"/>
-              <a:t>20/11/2017</a:t>
+              <a:t>17/12/2017</a:t>
             </a:fld>
             <a:endParaRPr lang="en-GB"/>
           </a:p>
@@ -866,7 +876,7 @@
           <a:p>
             <a:fld id="{0AF79A46-BAC2-4F15-BB52-B3581FC2A074}" type="datetimeFigureOut">
               <a:rPr lang="en-GB" smtClean="0"/>
-              <a:t>20/11/2017</a:t>
+              <a:t>17/12/2017</a:t>
             </a:fld>
             <a:endParaRPr lang="en-GB"/>
           </a:p>
@@ -1142,7 +1152,7 @@
           <a:p>
             <a:fld id="{0AF79A46-BAC2-4F15-BB52-B3581FC2A074}" type="datetimeFigureOut">
               <a:rPr lang="en-GB" smtClean="0"/>
-              <a:t>20/11/2017</a:t>
+              <a:t>17/12/2017</a:t>
             </a:fld>
             <a:endParaRPr lang="en-GB"/>
           </a:p>
@@ -1410,7 +1420,7 @@
           <a:p>
             <a:fld id="{0AF79A46-BAC2-4F15-BB52-B3581FC2A074}" type="datetimeFigureOut">
               <a:rPr lang="en-GB" smtClean="0"/>
-              <a:t>20/11/2017</a:t>
+              <a:t>17/12/2017</a:t>
             </a:fld>
             <a:endParaRPr lang="en-GB"/>
           </a:p>
@@ -1825,7 +1835,7 @@
           <a:p>
             <a:fld id="{0AF79A46-BAC2-4F15-BB52-B3581FC2A074}" type="datetimeFigureOut">
               <a:rPr lang="en-GB" smtClean="0"/>
-              <a:t>20/11/2017</a:t>
+              <a:t>17/12/2017</a:t>
             </a:fld>
             <a:endParaRPr lang="en-GB"/>
           </a:p>
@@ -1967,7 +1977,7 @@
           <a:p>
             <a:fld id="{0AF79A46-BAC2-4F15-BB52-B3581FC2A074}" type="datetimeFigureOut">
               <a:rPr lang="en-GB" smtClean="0"/>
-              <a:t>20/11/2017</a:t>
+              <a:t>17/12/2017</a:t>
             </a:fld>
             <a:endParaRPr lang="en-GB"/>
           </a:p>
@@ -2080,7 +2090,7 @@
           <a:p>
             <a:fld id="{0AF79A46-BAC2-4F15-BB52-B3581FC2A074}" type="datetimeFigureOut">
               <a:rPr lang="en-GB" smtClean="0"/>
-              <a:t>20/11/2017</a:t>
+              <a:t>17/12/2017</a:t>
             </a:fld>
             <a:endParaRPr lang="en-GB"/>
           </a:p>
@@ -2393,7 +2403,7 @@
           <a:p>
             <a:fld id="{0AF79A46-BAC2-4F15-BB52-B3581FC2A074}" type="datetimeFigureOut">
               <a:rPr lang="en-GB" smtClean="0"/>
-              <a:t>20/11/2017</a:t>
+              <a:t>17/12/2017</a:t>
             </a:fld>
             <a:endParaRPr lang="en-GB"/>
           </a:p>
@@ -2682,7 +2692,7 @@
           <a:p>
             <a:fld id="{0AF79A46-BAC2-4F15-BB52-B3581FC2A074}" type="datetimeFigureOut">
               <a:rPr lang="en-GB" smtClean="0"/>
-              <a:t>20/11/2017</a:t>
+              <a:t>17/12/2017</a:t>
             </a:fld>
             <a:endParaRPr lang="en-GB"/>
           </a:p>
@@ -2925,7 +2935,7 @@
           <a:p>
             <a:fld id="{0AF79A46-BAC2-4F15-BB52-B3581FC2A074}" type="datetimeFigureOut">
               <a:rPr lang="en-GB" smtClean="0"/>
-              <a:t>20/11/2017</a:t>
+              <a:t>17/12/2017</a:t>
             </a:fld>
             <a:endParaRPr lang="en-GB"/>
           </a:p>
@@ -4055,8 +4065,8 @@
           </a:p>
         </p:txBody>
       </p:sp>
-      <mc:AlternateContent xmlns:mc="http://schemas.openxmlformats.org/markup-compatibility/2006">
-        <mc:Choice xmlns:a14="http://schemas.microsoft.com/office/drawing/2010/main" Requires="a14">
+      <mc:AlternateContent xmlns:mc="http://schemas.openxmlformats.org/markup-compatibility/2006" xmlns:a14="http://schemas.microsoft.com/office/drawing/2010/main">
+        <mc:Choice Requires="a14">
           <p:sp>
             <p:nvSpPr>
               <p:cNvPr id="15" name="TextBox 14">
@@ -4085,6 +4095,7 @@
               </a:bodyPr>
               <a:lstStyle/>
               <a:p>
+                <a:pPr/>
                 <a14:m>
                   <m:oMathPara xmlns:m="http://schemas.openxmlformats.org/officeDocument/2006/math">
                     <m:oMathParaPr>
@@ -4140,6 +4151,7 @@
                 <a:endParaRPr lang="en-GB" dirty="0"/>
               </a:p>
               <a:p>
+                <a:pPr/>
                 <a14:m>
                   <m:oMathPara xmlns:m="http://schemas.openxmlformats.org/officeDocument/2006/math">
                     <m:oMathParaPr>
@@ -4191,7 +4203,7 @@
             </p:txBody>
           </p:sp>
         </mc:Choice>
-        <mc:Fallback>
+        <mc:Fallback xmlns="">
           <p:sp>
             <p:nvSpPr>
               <p:cNvPr id="15" name="TextBox 14">
@@ -4236,8 +4248,8 @@
           </p:sp>
         </mc:Fallback>
       </mc:AlternateContent>
-      <mc:AlternateContent xmlns:mc="http://schemas.openxmlformats.org/markup-compatibility/2006">
-        <mc:Choice xmlns:a14="http://schemas.microsoft.com/office/drawing/2010/main" Requires="a14">
+      <mc:AlternateContent xmlns:mc="http://schemas.openxmlformats.org/markup-compatibility/2006" xmlns:a14="http://schemas.microsoft.com/office/drawing/2010/main">
+        <mc:Choice Requires="a14">
           <p:sp>
             <p:nvSpPr>
               <p:cNvPr id="16" name="TextBox 15">
@@ -4266,6 +4278,7 @@
               </a:bodyPr>
               <a:lstStyle/>
               <a:p>
+                <a:pPr/>
                 <a14:m>
                   <m:oMathPara xmlns:m="http://schemas.openxmlformats.org/officeDocument/2006/math">
                     <m:oMathParaPr>
@@ -4358,7 +4371,7 @@
             </p:txBody>
           </p:sp>
         </mc:Choice>
-        <mc:Fallback>
+        <mc:Fallback xmlns="">
           <p:sp>
             <p:nvSpPr>
               <p:cNvPr id="16" name="TextBox 15">
@@ -5719,6 +5732,2377 @@
 </p:sld>
 </file>
 
+<file path=ppt/slides/slide2.xml><?xml version="1.0" encoding="utf-8"?>
+<p:sld xmlns:a="http://schemas.openxmlformats.org/drawingml/2006/main" xmlns:r="http://schemas.openxmlformats.org/officeDocument/2006/relationships" xmlns:p="http://schemas.openxmlformats.org/presentationml/2006/main">
+  <p:cSld>
+    <p:spTree>
+      <p:nvGrpSpPr>
+        <p:cNvPr id="1" name=""/>
+        <p:cNvGrpSpPr/>
+        <p:nvPr/>
+      </p:nvGrpSpPr>
+      <p:grpSpPr>
+        <a:xfrm>
+          <a:off x="0" y="0"/>
+          <a:ext cx="0" cy="0"/>
+          <a:chOff x="0" y="0"/>
+          <a:chExt cx="0" cy="0"/>
+        </a:xfrm>
+      </p:grpSpPr>
+      <p:grpSp>
+        <p:nvGrpSpPr>
+          <p:cNvPr id="3" name="Group 2">
+            <a:extLst>
+              <a:ext uri="{FF2B5EF4-FFF2-40B4-BE49-F238E27FC236}">
+                <a16:creationId xmlns:a16="http://schemas.microsoft.com/office/drawing/2014/main" id="{82EAC322-E79E-4E85-A424-2E04FB444F6D}"/>
+              </a:ext>
+            </a:extLst>
+          </p:cNvPr>
+          <p:cNvGrpSpPr/>
+          <p:nvPr/>
+        </p:nvGrpSpPr>
+        <p:grpSpPr>
+          <a:xfrm>
+            <a:off x="1431798" y="1064030"/>
+            <a:ext cx="5101754" cy="1803861"/>
+            <a:chOff x="1431798" y="1064030"/>
+            <a:chExt cx="5101754" cy="1803861"/>
+          </a:xfrm>
+        </p:grpSpPr>
+        <p:grpSp>
+          <p:nvGrpSpPr>
+            <p:cNvPr id="81" name="Group 80">
+              <a:extLst>
+                <a:ext uri="{FF2B5EF4-FFF2-40B4-BE49-F238E27FC236}">
+                  <a16:creationId xmlns:a16="http://schemas.microsoft.com/office/drawing/2014/main" id="{4C701B13-5A0B-43D3-B8D8-3072D67F0C41}"/>
+                </a:ext>
+              </a:extLst>
+            </p:cNvPr>
+            <p:cNvGrpSpPr/>
+            <p:nvPr/>
+          </p:nvGrpSpPr>
+          <p:grpSpPr>
+            <a:xfrm>
+              <a:off x="1431798" y="1064030"/>
+              <a:ext cx="4433989" cy="1803861"/>
+              <a:chOff x="1431798" y="1064030"/>
+              <a:chExt cx="4433989" cy="1803861"/>
+            </a:xfrm>
+          </p:grpSpPr>
+          <p:grpSp>
+            <p:nvGrpSpPr>
+              <p:cNvPr id="66" name="Group 65">
+                <a:extLst>
+                  <a:ext uri="{FF2B5EF4-FFF2-40B4-BE49-F238E27FC236}">
+                    <a16:creationId xmlns:a16="http://schemas.microsoft.com/office/drawing/2014/main" id="{FAE99E5F-4ABD-4E98-B28F-B6EC230B8CFB}"/>
+                  </a:ext>
+                </a:extLst>
+              </p:cNvPr>
+              <p:cNvGrpSpPr/>
+              <p:nvPr/>
+            </p:nvGrpSpPr>
+            <p:grpSpPr>
+              <a:xfrm>
+                <a:off x="1431798" y="1064030"/>
+                <a:ext cx="4433989" cy="1803861"/>
+                <a:chOff x="1431798" y="1064030"/>
+                <a:chExt cx="6327793" cy="2574309"/>
+              </a:xfrm>
+            </p:grpSpPr>
+            <p:sp>
+              <p:nvSpPr>
+                <p:cNvPr id="4" name="Oval 3">
+                  <a:extLst>
+                    <a:ext uri="{FF2B5EF4-FFF2-40B4-BE49-F238E27FC236}">
+                      <a16:creationId xmlns:a16="http://schemas.microsoft.com/office/drawing/2014/main" id="{1ADB724E-3A46-47E6-94EA-B5A1CF834FAC}"/>
+                    </a:ext>
+                  </a:extLst>
+                </p:cNvPr>
+                <p:cNvSpPr/>
+                <p:nvPr/>
+              </p:nvSpPr>
+              <p:spPr>
+                <a:xfrm>
+                  <a:off x="4436989" y="1064030"/>
+                  <a:ext cx="448887" cy="448887"/>
+                </a:xfrm>
+                <a:prstGeom prst="ellipse">
+                  <a:avLst/>
+                </a:prstGeom>
+                <a:solidFill>
+                  <a:schemeClr val="accent1">
+                    <a:lumMod val="50000"/>
+                  </a:schemeClr>
+                </a:solidFill>
+                <a:ln>
+                  <a:solidFill>
+                    <a:schemeClr val="tx1"/>
+                  </a:solidFill>
+                </a:ln>
+              </p:spPr>
+              <p:style>
+                <a:lnRef idx="2">
+                  <a:schemeClr val="accent1">
+                    <a:shade val="50000"/>
+                  </a:schemeClr>
+                </a:lnRef>
+                <a:fillRef idx="1">
+                  <a:schemeClr val="accent1"/>
+                </a:fillRef>
+                <a:effectRef idx="0">
+                  <a:schemeClr val="accent1"/>
+                </a:effectRef>
+                <a:fontRef idx="minor">
+                  <a:schemeClr val="lt1"/>
+                </a:fontRef>
+              </p:style>
+              <p:txBody>
+                <a:bodyPr rtlCol="0" anchor="ctr"/>
+                <a:lstStyle/>
+                <a:p>
+                  <a:pPr algn="ctr"/>
+                  <a:endParaRPr lang="en-GB"/>
+                </a:p>
+              </p:txBody>
+            </p:sp>
+            <p:cxnSp>
+              <p:nvCxnSpPr>
+                <p:cNvPr id="6" name="Straight Arrow Connector 5">
+                  <a:extLst>
+                    <a:ext uri="{FF2B5EF4-FFF2-40B4-BE49-F238E27FC236}">
+                      <a16:creationId xmlns:a16="http://schemas.microsoft.com/office/drawing/2014/main" id="{5FCB2B91-5BDE-4EFD-AFA2-AC63431F9200}"/>
+                    </a:ext>
+                  </a:extLst>
+                </p:cNvPr>
+                <p:cNvCxnSpPr>
+                  <a:cxnSpLocks/>
+                  <a:stCxn id="4" idx="3"/>
+                  <a:endCxn id="7" idx="0"/>
+                </p:cNvCxnSpPr>
+                <p:nvPr/>
+              </p:nvCxnSpPr>
+              <p:spPr>
+                <a:xfrm flipH="1">
+                  <a:off x="3000132" y="1447179"/>
+                  <a:ext cx="1502595" cy="340057"/>
+                </a:xfrm>
+                <a:prstGeom prst="straightConnector1">
+                  <a:avLst/>
+                </a:prstGeom>
+                <a:ln>
+                  <a:tailEnd type="triangle"/>
+                </a:ln>
+              </p:spPr>
+              <p:style>
+                <a:lnRef idx="1">
+                  <a:schemeClr val="accent1"/>
+                </a:lnRef>
+                <a:fillRef idx="0">
+                  <a:schemeClr val="accent1"/>
+                </a:fillRef>
+                <a:effectRef idx="0">
+                  <a:schemeClr val="accent1"/>
+                </a:effectRef>
+                <a:fontRef idx="minor">
+                  <a:schemeClr val="tx1"/>
+                </a:fontRef>
+              </p:style>
+            </p:cxnSp>
+            <p:sp>
+              <p:nvSpPr>
+                <p:cNvPr id="7" name="Oval 6">
+                  <a:extLst>
+                    <a:ext uri="{FF2B5EF4-FFF2-40B4-BE49-F238E27FC236}">
+                      <a16:creationId xmlns:a16="http://schemas.microsoft.com/office/drawing/2014/main" id="{7441098F-B37F-46C9-AEB2-2CB4BF6552FD}"/>
+                    </a:ext>
+                  </a:extLst>
+                </p:cNvPr>
+                <p:cNvSpPr/>
+                <p:nvPr/>
+              </p:nvSpPr>
+              <p:spPr>
+                <a:xfrm>
+                  <a:off x="2775688" y="1787236"/>
+                  <a:ext cx="448887" cy="448887"/>
+                </a:xfrm>
+                <a:prstGeom prst="ellipse">
+                  <a:avLst/>
+                </a:prstGeom>
+                <a:solidFill>
+                  <a:srgbClr val="00B0F0"/>
+                </a:solidFill>
+                <a:ln>
+                  <a:solidFill>
+                    <a:schemeClr val="tx1"/>
+                  </a:solidFill>
+                </a:ln>
+              </p:spPr>
+              <p:style>
+                <a:lnRef idx="2">
+                  <a:schemeClr val="accent1">
+                    <a:shade val="50000"/>
+                  </a:schemeClr>
+                </a:lnRef>
+                <a:fillRef idx="1">
+                  <a:schemeClr val="accent1"/>
+                </a:fillRef>
+                <a:effectRef idx="0">
+                  <a:schemeClr val="accent1"/>
+                </a:effectRef>
+                <a:fontRef idx="minor">
+                  <a:schemeClr val="lt1"/>
+                </a:fontRef>
+              </p:style>
+              <p:txBody>
+                <a:bodyPr rtlCol="0" anchor="ctr"/>
+                <a:lstStyle/>
+                <a:p>
+                  <a:pPr algn="ctr"/>
+                  <a:endParaRPr lang="en-GB"/>
+                </a:p>
+              </p:txBody>
+            </p:sp>
+            <p:cxnSp>
+              <p:nvCxnSpPr>
+                <p:cNvPr id="10" name="Straight Arrow Connector 9">
+                  <a:extLst>
+                    <a:ext uri="{FF2B5EF4-FFF2-40B4-BE49-F238E27FC236}">
+                      <a16:creationId xmlns:a16="http://schemas.microsoft.com/office/drawing/2014/main" id="{4D9F0006-3C9D-4700-98C2-5D9AC8C8F623}"/>
+                    </a:ext>
+                  </a:extLst>
+                </p:cNvPr>
+                <p:cNvCxnSpPr>
+                  <a:cxnSpLocks/>
+                  <a:stCxn id="4" idx="5"/>
+                  <a:endCxn id="11" idx="0"/>
+                </p:cNvCxnSpPr>
+                <p:nvPr/>
+              </p:nvCxnSpPr>
+              <p:spPr>
+                <a:xfrm>
+                  <a:off x="4820138" y="1447179"/>
+                  <a:ext cx="1500306" cy="354051"/>
+                </a:xfrm>
+                <a:prstGeom prst="straightConnector1">
+                  <a:avLst/>
+                </a:prstGeom>
+                <a:ln>
+                  <a:tailEnd type="triangle"/>
+                </a:ln>
+              </p:spPr>
+              <p:style>
+                <a:lnRef idx="1">
+                  <a:schemeClr val="accent1"/>
+                </a:lnRef>
+                <a:fillRef idx="0">
+                  <a:schemeClr val="accent1"/>
+                </a:fillRef>
+                <a:effectRef idx="0">
+                  <a:schemeClr val="accent1"/>
+                </a:effectRef>
+                <a:fontRef idx="minor">
+                  <a:schemeClr val="tx1"/>
+                </a:fontRef>
+              </p:style>
+            </p:cxnSp>
+            <p:sp>
+              <p:nvSpPr>
+                <p:cNvPr id="11" name="Oval 10">
+                  <a:extLst>
+                    <a:ext uri="{FF2B5EF4-FFF2-40B4-BE49-F238E27FC236}">
+                      <a16:creationId xmlns:a16="http://schemas.microsoft.com/office/drawing/2014/main" id="{9A25EA95-2210-465D-918D-09C41D78DF35}"/>
+                    </a:ext>
+                  </a:extLst>
+                </p:cNvPr>
+                <p:cNvSpPr/>
+                <p:nvPr/>
+              </p:nvSpPr>
+              <p:spPr>
+                <a:xfrm>
+                  <a:off x="6096000" y="1801230"/>
+                  <a:ext cx="448887" cy="448887"/>
+                </a:xfrm>
+                <a:prstGeom prst="ellipse">
+                  <a:avLst/>
+                </a:prstGeom>
+                <a:solidFill>
+                  <a:srgbClr val="00B0F0"/>
+                </a:solidFill>
+                <a:ln>
+                  <a:solidFill>
+                    <a:schemeClr val="tx1"/>
+                  </a:solidFill>
+                </a:ln>
+              </p:spPr>
+              <p:style>
+                <a:lnRef idx="2">
+                  <a:schemeClr val="accent1">
+                    <a:shade val="50000"/>
+                  </a:schemeClr>
+                </a:lnRef>
+                <a:fillRef idx="1">
+                  <a:schemeClr val="accent1"/>
+                </a:fillRef>
+                <a:effectRef idx="0">
+                  <a:schemeClr val="accent1"/>
+                </a:effectRef>
+                <a:fontRef idx="minor">
+                  <a:schemeClr val="lt1"/>
+                </a:fontRef>
+              </p:style>
+              <p:txBody>
+                <a:bodyPr rtlCol="0" anchor="ctr"/>
+                <a:lstStyle/>
+                <a:p>
+                  <a:pPr algn="ctr"/>
+                  <a:endParaRPr lang="en-GB"/>
+                </a:p>
+              </p:txBody>
+            </p:sp>
+            <p:sp>
+              <p:nvSpPr>
+                <p:cNvPr id="13" name="Oval 12">
+                  <a:extLst>
+                    <a:ext uri="{FF2B5EF4-FFF2-40B4-BE49-F238E27FC236}">
+                      <a16:creationId xmlns:a16="http://schemas.microsoft.com/office/drawing/2014/main" id="{633C8479-99FB-4527-8CC5-52A14A3EF1AF}"/>
+                    </a:ext>
+                  </a:extLst>
+                </p:cNvPr>
+                <p:cNvSpPr/>
+                <p:nvPr/>
+              </p:nvSpPr>
+              <p:spPr>
+                <a:xfrm>
+                  <a:off x="1880685" y="2562186"/>
+                  <a:ext cx="448887" cy="448887"/>
+                </a:xfrm>
+                <a:prstGeom prst="ellipse">
+                  <a:avLst/>
+                </a:prstGeom>
+                <a:solidFill>
+                  <a:srgbClr val="00B0F0"/>
+                </a:solidFill>
+                <a:ln>
+                  <a:solidFill>
+                    <a:schemeClr val="tx1"/>
+                  </a:solidFill>
+                </a:ln>
+              </p:spPr>
+              <p:style>
+                <a:lnRef idx="2">
+                  <a:schemeClr val="accent1">
+                    <a:shade val="50000"/>
+                  </a:schemeClr>
+                </a:lnRef>
+                <a:fillRef idx="1">
+                  <a:schemeClr val="accent1"/>
+                </a:fillRef>
+                <a:effectRef idx="0">
+                  <a:schemeClr val="accent1"/>
+                </a:effectRef>
+                <a:fontRef idx="minor">
+                  <a:schemeClr val="lt1"/>
+                </a:fontRef>
+              </p:style>
+              <p:txBody>
+                <a:bodyPr rtlCol="0" anchor="ctr"/>
+                <a:lstStyle/>
+                <a:p>
+                  <a:pPr algn="ctr"/>
+                  <a:endParaRPr lang="en-GB"/>
+                </a:p>
+              </p:txBody>
+            </p:sp>
+            <p:cxnSp>
+              <p:nvCxnSpPr>
+                <p:cNvPr id="14" name="Straight Arrow Connector 13">
+                  <a:extLst>
+                    <a:ext uri="{FF2B5EF4-FFF2-40B4-BE49-F238E27FC236}">
+                      <a16:creationId xmlns:a16="http://schemas.microsoft.com/office/drawing/2014/main" id="{73BD8360-1DF9-4A6A-BD8F-A05DAFFA6413}"/>
+                    </a:ext>
+                  </a:extLst>
+                </p:cNvPr>
+                <p:cNvCxnSpPr>
+                  <a:cxnSpLocks/>
+                  <a:stCxn id="13" idx="3"/>
+                  <a:endCxn id="15" idx="0"/>
+                </p:cNvCxnSpPr>
+                <p:nvPr/>
+              </p:nvCxnSpPr>
+              <p:spPr>
+                <a:xfrm flipH="1">
+                  <a:off x="1656242" y="2945335"/>
+                  <a:ext cx="290181" cy="216129"/>
+                </a:xfrm>
+                <a:prstGeom prst="straightConnector1">
+                  <a:avLst/>
+                </a:prstGeom>
+                <a:ln>
+                  <a:tailEnd type="triangle"/>
+                </a:ln>
+              </p:spPr>
+              <p:style>
+                <a:lnRef idx="1">
+                  <a:schemeClr val="accent1"/>
+                </a:lnRef>
+                <a:fillRef idx="0">
+                  <a:schemeClr val="accent1"/>
+                </a:fillRef>
+                <a:effectRef idx="0">
+                  <a:schemeClr val="accent1"/>
+                </a:effectRef>
+                <a:fontRef idx="minor">
+                  <a:schemeClr val="tx1"/>
+                </a:fontRef>
+              </p:style>
+            </p:cxnSp>
+            <p:sp>
+              <p:nvSpPr>
+                <p:cNvPr id="15" name="Oval 14">
+                  <a:extLst>
+                    <a:ext uri="{FF2B5EF4-FFF2-40B4-BE49-F238E27FC236}">
+                      <a16:creationId xmlns:a16="http://schemas.microsoft.com/office/drawing/2014/main" id="{96864A67-FD64-4446-8A99-66B0FE215786}"/>
+                    </a:ext>
+                  </a:extLst>
+                </p:cNvPr>
+                <p:cNvSpPr/>
+                <p:nvPr/>
+              </p:nvSpPr>
+              <p:spPr>
+                <a:xfrm>
+                  <a:off x="1431798" y="3161464"/>
+                  <a:ext cx="448887" cy="448887"/>
+                </a:xfrm>
+                <a:prstGeom prst="ellipse">
+                  <a:avLst/>
+                </a:prstGeom>
+                <a:solidFill>
+                  <a:srgbClr val="00B0F0"/>
+                </a:solidFill>
+                <a:ln>
+                  <a:solidFill>
+                    <a:schemeClr val="tx1"/>
+                  </a:solidFill>
+                </a:ln>
+              </p:spPr>
+              <p:style>
+                <a:lnRef idx="2">
+                  <a:schemeClr val="accent1">
+                    <a:shade val="50000"/>
+                  </a:schemeClr>
+                </a:lnRef>
+                <a:fillRef idx="1">
+                  <a:schemeClr val="accent1"/>
+                </a:fillRef>
+                <a:effectRef idx="0">
+                  <a:schemeClr val="accent1"/>
+                </a:effectRef>
+                <a:fontRef idx="minor">
+                  <a:schemeClr val="lt1"/>
+                </a:fontRef>
+              </p:style>
+              <p:txBody>
+                <a:bodyPr rtlCol="0" anchor="ctr"/>
+                <a:lstStyle/>
+                <a:p>
+                  <a:pPr algn="ctr"/>
+                  <a:endParaRPr lang="en-GB"/>
+                </a:p>
+              </p:txBody>
+            </p:sp>
+            <p:cxnSp>
+              <p:nvCxnSpPr>
+                <p:cNvPr id="16" name="Straight Arrow Connector 15">
+                  <a:extLst>
+                    <a:ext uri="{FF2B5EF4-FFF2-40B4-BE49-F238E27FC236}">
+                      <a16:creationId xmlns:a16="http://schemas.microsoft.com/office/drawing/2014/main" id="{AF0612B0-8A36-4C6D-9A10-02A7A474E1FC}"/>
+                    </a:ext>
+                  </a:extLst>
+                </p:cNvPr>
+                <p:cNvCxnSpPr>
+                  <a:cxnSpLocks/>
+                  <a:stCxn id="13" idx="5"/>
+                  <a:endCxn id="17" idx="0"/>
+                </p:cNvCxnSpPr>
+                <p:nvPr/>
+              </p:nvCxnSpPr>
+              <p:spPr>
+                <a:xfrm>
+                  <a:off x="2263834" y="2945335"/>
+                  <a:ext cx="287411" cy="202135"/>
+                </a:xfrm>
+                <a:prstGeom prst="straightConnector1">
+                  <a:avLst/>
+                </a:prstGeom>
+                <a:ln>
+                  <a:tailEnd type="triangle"/>
+                </a:ln>
+              </p:spPr>
+              <p:style>
+                <a:lnRef idx="1">
+                  <a:schemeClr val="accent1"/>
+                </a:lnRef>
+                <a:fillRef idx="0">
+                  <a:schemeClr val="accent1"/>
+                </a:fillRef>
+                <a:effectRef idx="0">
+                  <a:schemeClr val="accent1"/>
+                </a:effectRef>
+                <a:fontRef idx="minor">
+                  <a:schemeClr val="tx1"/>
+                </a:fontRef>
+              </p:style>
+            </p:cxnSp>
+            <p:sp>
+              <p:nvSpPr>
+                <p:cNvPr id="17" name="Oval 16">
+                  <a:extLst>
+                    <a:ext uri="{FF2B5EF4-FFF2-40B4-BE49-F238E27FC236}">
+                      <a16:creationId xmlns:a16="http://schemas.microsoft.com/office/drawing/2014/main" id="{9E238797-79D7-4069-954B-536407288CC4}"/>
+                    </a:ext>
+                  </a:extLst>
+                </p:cNvPr>
+                <p:cNvSpPr/>
+                <p:nvPr/>
+              </p:nvSpPr>
+              <p:spPr>
+                <a:xfrm>
+                  <a:off x="2326801" y="3147470"/>
+                  <a:ext cx="448887" cy="448887"/>
+                </a:xfrm>
+                <a:prstGeom prst="ellipse">
+                  <a:avLst/>
+                </a:prstGeom>
+                <a:solidFill>
+                  <a:srgbClr val="00B0F0"/>
+                </a:solidFill>
+                <a:ln>
+                  <a:solidFill>
+                    <a:schemeClr val="tx1"/>
+                  </a:solidFill>
+                </a:ln>
+              </p:spPr>
+              <p:style>
+                <a:lnRef idx="2">
+                  <a:schemeClr val="accent1">
+                    <a:shade val="50000"/>
+                  </a:schemeClr>
+                </a:lnRef>
+                <a:fillRef idx="1">
+                  <a:schemeClr val="accent1"/>
+                </a:fillRef>
+                <a:effectRef idx="0">
+                  <a:schemeClr val="accent1"/>
+                </a:effectRef>
+                <a:fontRef idx="minor">
+                  <a:schemeClr val="lt1"/>
+                </a:fontRef>
+              </p:style>
+              <p:txBody>
+                <a:bodyPr rtlCol="0" anchor="ctr"/>
+                <a:lstStyle/>
+                <a:p>
+                  <a:pPr algn="ctr"/>
+                  <a:endParaRPr lang="en-GB"/>
+                </a:p>
+              </p:txBody>
+            </p:sp>
+            <p:cxnSp>
+              <p:nvCxnSpPr>
+                <p:cNvPr id="18" name="Straight Arrow Connector 17">
+                  <a:extLst>
+                    <a:ext uri="{FF2B5EF4-FFF2-40B4-BE49-F238E27FC236}">
+                      <a16:creationId xmlns:a16="http://schemas.microsoft.com/office/drawing/2014/main" id="{10AC19CB-FD41-49DF-A071-954122B42F0B}"/>
+                    </a:ext>
+                  </a:extLst>
+                </p:cNvPr>
+                <p:cNvCxnSpPr>
+                  <a:cxnSpLocks/>
+                  <a:stCxn id="7" idx="3"/>
+                  <a:endCxn id="13" idx="0"/>
+                </p:cNvCxnSpPr>
+                <p:nvPr/>
+              </p:nvCxnSpPr>
+              <p:spPr>
+                <a:xfrm flipH="1">
+                  <a:off x="2105129" y="2170385"/>
+                  <a:ext cx="736297" cy="391801"/>
+                </a:xfrm>
+                <a:prstGeom prst="straightConnector1">
+                  <a:avLst/>
+                </a:prstGeom>
+                <a:ln>
+                  <a:tailEnd type="triangle"/>
+                </a:ln>
+              </p:spPr>
+              <p:style>
+                <a:lnRef idx="1">
+                  <a:schemeClr val="accent1"/>
+                </a:lnRef>
+                <a:fillRef idx="0">
+                  <a:schemeClr val="accent1"/>
+                </a:fillRef>
+                <a:effectRef idx="0">
+                  <a:schemeClr val="accent1"/>
+                </a:effectRef>
+                <a:fontRef idx="minor">
+                  <a:schemeClr val="tx1"/>
+                </a:fontRef>
+              </p:style>
+            </p:cxnSp>
+            <p:sp>
+              <p:nvSpPr>
+                <p:cNvPr id="27" name="Oval 26">
+                  <a:extLst>
+                    <a:ext uri="{FF2B5EF4-FFF2-40B4-BE49-F238E27FC236}">
+                      <a16:creationId xmlns:a16="http://schemas.microsoft.com/office/drawing/2014/main" id="{F4D45C64-9D74-41DF-9B77-00CEFF320593}"/>
+                    </a:ext>
+                  </a:extLst>
+                </p:cNvPr>
+                <p:cNvSpPr/>
+                <p:nvPr/>
+              </p:nvSpPr>
+              <p:spPr>
+                <a:xfrm>
+                  <a:off x="3541986" y="2576180"/>
+                  <a:ext cx="448887" cy="448887"/>
+                </a:xfrm>
+                <a:prstGeom prst="ellipse">
+                  <a:avLst/>
+                </a:prstGeom>
+                <a:solidFill>
+                  <a:srgbClr val="00B0F0"/>
+                </a:solidFill>
+                <a:ln>
+                  <a:solidFill>
+                    <a:schemeClr val="tx1"/>
+                  </a:solidFill>
+                </a:ln>
+              </p:spPr>
+              <p:style>
+                <a:lnRef idx="2">
+                  <a:schemeClr val="accent1">
+                    <a:shade val="50000"/>
+                  </a:schemeClr>
+                </a:lnRef>
+                <a:fillRef idx="1">
+                  <a:schemeClr val="accent1"/>
+                </a:fillRef>
+                <a:effectRef idx="0">
+                  <a:schemeClr val="accent1"/>
+                </a:effectRef>
+                <a:fontRef idx="minor">
+                  <a:schemeClr val="lt1"/>
+                </a:fontRef>
+              </p:style>
+              <p:txBody>
+                <a:bodyPr rtlCol="0" anchor="ctr"/>
+                <a:lstStyle/>
+                <a:p>
+                  <a:pPr algn="ctr"/>
+                  <a:endParaRPr lang="en-GB"/>
+                </a:p>
+              </p:txBody>
+            </p:sp>
+            <p:cxnSp>
+              <p:nvCxnSpPr>
+                <p:cNvPr id="28" name="Straight Arrow Connector 27">
+                  <a:extLst>
+                    <a:ext uri="{FF2B5EF4-FFF2-40B4-BE49-F238E27FC236}">
+                      <a16:creationId xmlns:a16="http://schemas.microsoft.com/office/drawing/2014/main" id="{1A6D3EA2-B9E2-4182-8BE0-9258E9C22886}"/>
+                    </a:ext>
+                  </a:extLst>
+                </p:cNvPr>
+                <p:cNvCxnSpPr>
+                  <a:cxnSpLocks/>
+                  <a:stCxn id="27" idx="3"/>
+                  <a:endCxn id="29" idx="0"/>
+                </p:cNvCxnSpPr>
+                <p:nvPr/>
+              </p:nvCxnSpPr>
+              <p:spPr>
+                <a:xfrm flipH="1">
+                  <a:off x="3317543" y="2959329"/>
+                  <a:ext cx="290181" cy="216129"/>
+                </a:xfrm>
+                <a:prstGeom prst="straightConnector1">
+                  <a:avLst/>
+                </a:prstGeom>
+                <a:ln>
+                  <a:tailEnd type="triangle"/>
+                </a:ln>
+              </p:spPr>
+              <p:style>
+                <a:lnRef idx="1">
+                  <a:schemeClr val="accent1"/>
+                </a:lnRef>
+                <a:fillRef idx="0">
+                  <a:schemeClr val="accent1"/>
+                </a:fillRef>
+                <a:effectRef idx="0">
+                  <a:schemeClr val="accent1"/>
+                </a:effectRef>
+                <a:fontRef idx="minor">
+                  <a:schemeClr val="tx1"/>
+                </a:fontRef>
+              </p:style>
+            </p:cxnSp>
+            <p:sp>
+              <p:nvSpPr>
+                <p:cNvPr id="29" name="Oval 28">
+                  <a:extLst>
+                    <a:ext uri="{FF2B5EF4-FFF2-40B4-BE49-F238E27FC236}">
+                      <a16:creationId xmlns:a16="http://schemas.microsoft.com/office/drawing/2014/main" id="{84F410CF-2C8F-48BF-A2DB-C8F7BAB74627}"/>
+                    </a:ext>
+                  </a:extLst>
+                </p:cNvPr>
+                <p:cNvSpPr/>
+                <p:nvPr/>
+              </p:nvSpPr>
+              <p:spPr>
+                <a:xfrm>
+                  <a:off x="3093099" y="3175458"/>
+                  <a:ext cx="448887" cy="448887"/>
+                </a:xfrm>
+                <a:prstGeom prst="ellipse">
+                  <a:avLst/>
+                </a:prstGeom>
+                <a:solidFill>
+                  <a:srgbClr val="00B0F0"/>
+                </a:solidFill>
+                <a:ln>
+                  <a:solidFill>
+                    <a:schemeClr val="tx1"/>
+                  </a:solidFill>
+                </a:ln>
+              </p:spPr>
+              <p:style>
+                <a:lnRef idx="2">
+                  <a:schemeClr val="accent1">
+                    <a:shade val="50000"/>
+                  </a:schemeClr>
+                </a:lnRef>
+                <a:fillRef idx="1">
+                  <a:schemeClr val="accent1"/>
+                </a:fillRef>
+                <a:effectRef idx="0">
+                  <a:schemeClr val="accent1"/>
+                </a:effectRef>
+                <a:fontRef idx="minor">
+                  <a:schemeClr val="lt1"/>
+                </a:fontRef>
+              </p:style>
+              <p:txBody>
+                <a:bodyPr rtlCol="0" anchor="ctr"/>
+                <a:lstStyle/>
+                <a:p>
+                  <a:pPr algn="ctr"/>
+                  <a:endParaRPr lang="en-GB"/>
+                </a:p>
+              </p:txBody>
+            </p:sp>
+            <p:cxnSp>
+              <p:nvCxnSpPr>
+                <p:cNvPr id="30" name="Straight Arrow Connector 29">
+                  <a:extLst>
+                    <a:ext uri="{FF2B5EF4-FFF2-40B4-BE49-F238E27FC236}">
+                      <a16:creationId xmlns:a16="http://schemas.microsoft.com/office/drawing/2014/main" id="{63E458EE-C43C-4095-9F57-82BFB872B2AA}"/>
+                    </a:ext>
+                  </a:extLst>
+                </p:cNvPr>
+                <p:cNvCxnSpPr>
+                  <a:cxnSpLocks/>
+                  <a:stCxn id="27" idx="5"/>
+                  <a:endCxn id="31" idx="0"/>
+                </p:cNvCxnSpPr>
+                <p:nvPr/>
+              </p:nvCxnSpPr>
+              <p:spPr>
+                <a:xfrm>
+                  <a:off x="3925135" y="2959329"/>
+                  <a:ext cx="287411" cy="202135"/>
+                </a:xfrm>
+                <a:prstGeom prst="straightConnector1">
+                  <a:avLst/>
+                </a:prstGeom>
+                <a:ln>
+                  <a:tailEnd type="triangle"/>
+                </a:ln>
+              </p:spPr>
+              <p:style>
+                <a:lnRef idx="1">
+                  <a:schemeClr val="accent1"/>
+                </a:lnRef>
+                <a:fillRef idx="0">
+                  <a:schemeClr val="accent1"/>
+                </a:fillRef>
+                <a:effectRef idx="0">
+                  <a:schemeClr val="accent1"/>
+                </a:effectRef>
+                <a:fontRef idx="minor">
+                  <a:schemeClr val="tx1"/>
+                </a:fontRef>
+              </p:style>
+            </p:cxnSp>
+            <p:sp>
+              <p:nvSpPr>
+                <p:cNvPr id="31" name="Oval 30">
+                  <a:extLst>
+                    <a:ext uri="{FF2B5EF4-FFF2-40B4-BE49-F238E27FC236}">
+                      <a16:creationId xmlns:a16="http://schemas.microsoft.com/office/drawing/2014/main" id="{AB1D27B7-47F1-4569-A74E-AEEB79FECE9C}"/>
+                    </a:ext>
+                  </a:extLst>
+                </p:cNvPr>
+                <p:cNvSpPr/>
+                <p:nvPr/>
+              </p:nvSpPr>
+              <p:spPr>
+                <a:xfrm>
+                  <a:off x="3988102" y="3161464"/>
+                  <a:ext cx="448887" cy="448887"/>
+                </a:xfrm>
+                <a:prstGeom prst="ellipse">
+                  <a:avLst/>
+                </a:prstGeom>
+                <a:solidFill>
+                  <a:srgbClr val="00B0F0"/>
+                </a:solidFill>
+                <a:ln>
+                  <a:solidFill>
+                    <a:schemeClr val="tx1"/>
+                  </a:solidFill>
+                </a:ln>
+              </p:spPr>
+              <p:style>
+                <a:lnRef idx="2">
+                  <a:schemeClr val="accent1">
+                    <a:shade val="50000"/>
+                  </a:schemeClr>
+                </a:lnRef>
+                <a:fillRef idx="1">
+                  <a:schemeClr val="accent1"/>
+                </a:fillRef>
+                <a:effectRef idx="0">
+                  <a:schemeClr val="accent1"/>
+                </a:effectRef>
+                <a:fontRef idx="minor">
+                  <a:schemeClr val="lt1"/>
+                </a:fontRef>
+              </p:style>
+              <p:txBody>
+                <a:bodyPr rtlCol="0" anchor="ctr"/>
+                <a:lstStyle/>
+                <a:p>
+                  <a:pPr algn="ctr"/>
+                  <a:endParaRPr lang="en-GB"/>
+                </a:p>
+              </p:txBody>
+            </p:sp>
+            <p:cxnSp>
+              <p:nvCxnSpPr>
+                <p:cNvPr id="39" name="Straight Arrow Connector 38">
+                  <a:extLst>
+                    <a:ext uri="{FF2B5EF4-FFF2-40B4-BE49-F238E27FC236}">
+                      <a16:creationId xmlns:a16="http://schemas.microsoft.com/office/drawing/2014/main" id="{5AA62B24-F947-41A1-9579-B00B16C22932}"/>
+                    </a:ext>
+                  </a:extLst>
+                </p:cNvPr>
+                <p:cNvCxnSpPr>
+                  <a:cxnSpLocks/>
+                  <a:stCxn id="7" idx="5"/>
+                  <a:endCxn id="27" idx="0"/>
+                </p:cNvCxnSpPr>
+                <p:nvPr/>
+              </p:nvCxnSpPr>
+              <p:spPr>
+                <a:xfrm>
+                  <a:off x="3158837" y="2170385"/>
+                  <a:ext cx="607593" cy="405795"/>
+                </a:xfrm>
+                <a:prstGeom prst="straightConnector1">
+                  <a:avLst/>
+                </a:prstGeom>
+                <a:ln>
+                  <a:tailEnd type="triangle"/>
+                </a:ln>
+              </p:spPr>
+              <p:style>
+                <a:lnRef idx="1">
+                  <a:schemeClr val="accent1"/>
+                </a:lnRef>
+                <a:fillRef idx="0">
+                  <a:schemeClr val="accent1"/>
+                </a:fillRef>
+                <a:effectRef idx="0">
+                  <a:schemeClr val="accent1"/>
+                </a:effectRef>
+                <a:fontRef idx="minor">
+                  <a:schemeClr val="tx1"/>
+                </a:fontRef>
+              </p:style>
+            </p:cxnSp>
+            <p:sp>
+              <p:nvSpPr>
+                <p:cNvPr id="43" name="Oval 42">
+                  <a:extLst>
+                    <a:ext uri="{FF2B5EF4-FFF2-40B4-BE49-F238E27FC236}">
+                      <a16:creationId xmlns:a16="http://schemas.microsoft.com/office/drawing/2014/main" id="{B220A197-2465-40F4-88F9-922EE9E89C54}"/>
+                    </a:ext>
+                  </a:extLst>
+                </p:cNvPr>
+                <p:cNvSpPr/>
+                <p:nvPr/>
+              </p:nvSpPr>
+              <p:spPr>
+                <a:xfrm>
+                  <a:off x="5203287" y="2576180"/>
+                  <a:ext cx="448887" cy="448887"/>
+                </a:xfrm>
+                <a:prstGeom prst="ellipse">
+                  <a:avLst/>
+                </a:prstGeom>
+                <a:solidFill>
+                  <a:srgbClr val="00B0F0"/>
+                </a:solidFill>
+                <a:ln>
+                  <a:solidFill>
+                    <a:schemeClr val="tx1"/>
+                  </a:solidFill>
+                </a:ln>
+              </p:spPr>
+              <p:style>
+                <a:lnRef idx="2">
+                  <a:schemeClr val="accent1">
+                    <a:shade val="50000"/>
+                  </a:schemeClr>
+                </a:lnRef>
+                <a:fillRef idx="1">
+                  <a:schemeClr val="accent1"/>
+                </a:fillRef>
+                <a:effectRef idx="0">
+                  <a:schemeClr val="accent1"/>
+                </a:effectRef>
+                <a:fontRef idx="minor">
+                  <a:schemeClr val="lt1"/>
+                </a:fontRef>
+              </p:style>
+              <p:txBody>
+                <a:bodyPr rtlCol="0" anchor="ctr"/>
+                <a:lstStyle/>
+                <a:p>
+                  <a:pPr algn="ctr"/>
+                  <a:endParaRPr lang="en-GB"/>
+                </a:p>
+              </p:txBody>
+            </p:sp>
+            <p:cxnSp>
+              <p:nvCxnSpPr>
+                <p:cNvPr id="44" name="Straight Arrow Connector 43">
+                  <a:extLst>
+                    <a:ext uri="{FF2B5EF4-FFF2-40B4-BE49-F238E27FC236}">
+                      <a16:creationId xmlns:a16="http://schemas.microsoft.com/office/drawing/2014/main" id="{CCC7283F-4071-4073-BF28-F8421DE05713}"/>
+                    </a:ext>
+                  </a:extLst>
+                </p:cNvPr>
+                <p:cNvCxnSpPr>
+                  <a:cxnSpLocks/>
+                  <a:stCxn id="43" idx="3"/>
+                  <a:endCxn id="45" idx="0"/>
+                </p:cNvCxnSpPr>
+                <p:nvPr/>
+              </p:nvCxnSpPr>
+              <p:spPr>
+                <a:xfrm flipH="1">
+                  <a:off x="4978844" y="2959329"/>
+                  <a:ext cx="290181" cy="216129"/>
+                </a:xfrm>
+                <a:prstGeom prst="straightConnector1">
+                  <a:avLst/>
+                </a:prstGeom>
+                <a:ln>
+                  <a:tailEnd type="triangle"/>
+                </a:ln>
+              </p:spPr>
+              <p:style>
+                <a:lnRef idx="1">
+                  <a:schemeClr val="accent1"/>
+                </a:lnRef>
+                <a:fillRef idx="0">
+                  <a:schemeClr val="accent1"/>
+                </a:fillRef>
+                <a:effectRef idx="0">
+                  <a:schemeClr val="accent1"/>
+                </a:effectRef>
+                <a:fontRef idx="minor">
+                  <a:schemeClr val="tx1"/>
+                </a:fontRef>
+              </p:style>
+            </p:cxnSp>
+            <p:sp>
+              <p:nvSpPr>
+                <p:cNvPr id="45" name="Oval 44">
+                  <a:extLst>
+                    <a:ext uri="{FF2B5EF4-FFF2-40B4-BE49-F238E27FC236}">
+                      <a16:creationId xmlns:a16="http://schemas.microsoft.com/office/drawing/2014/main" id="{72DF6B1A-E419-49AC-B15E-7E8B34E74ABC}"/>
+                    </a:ext>
+                  </a:extLst>
+                </p:cNvPr>
+                <p:cNvSpPr/>
+                <p:nvPr/>
+              </p:nvSpPr>
+              <p:spPr>
+                <a:xfrm>
+                  <a:off x="4754400" y="3175458"/>
+                  <a:ext cx="448887" cy="448887"/>
+                </a:xfrm>
+                <a:prstGeom prst="ellipse">
+                  <a:avLst/>
+                </a:prstGeom>
+                <a:solidFill>
+                  <a:srgbClr val="00B0F0"/>
+                </a:solidFill>
+                <a:ln>
+                  <a:solidFill>
+                    <a:schemeClr val="tx1"/>
+                  </a:solidFill>
+                </a:ln>
+              </p:spPr>
+              <p:style>
+                <a:lnRef idx="2">
+                  <a:schemeClr val="accent1">
+                    <a:shade val="50000"/>
+                  </a:schemeClr>
+                </a:lnRef>
+                <a:fillRef idx="1">
+                  <a:schemeClr val="accent1"/>
+                </a:fillRef>
+                <a:effectRef idx="0">
+                  <a:schemeClr val="accent1"/>
+                </a:effectRef>
+                <a:fontRef idx="minor">
+                  <a:schemeClr val="lt1"/>
+                </a:fontRef>
+              </p:style>
+              <p:txBody>
+                <a:bodyPr rtlCol="0" anchor="ctr"/>
+                <a:lstStyle/>
+                <a:p>
+                  <a:pPr algn="ctr"/>
+                  <a:endParaRPr lang="en-GB"/>
+                </a:p>
+              </p:txBody>
+            </p:sp>
+            <p:cxnSp>
+              <p:nvCxnSpPr>
+                <p:cNvPr id="46" name="Straight Arrow Connector 45">
+                  <a:extLst>
+                    <a:ext uri="{FF2B5EF4-FFF2-40B4-BE49-F238E27FC236}">
+                      <a16:creationId xmlns:a16="http://schemas.microsoft.com/office/drawing/2014/main" id="{B9132D87-E9CA-4B7D-B02C-0E05C8E24942}"/>
+                    </a:ext>
+                  </a:extLst>
+                </p:cNvPr>
+                <p:cNvCxnSpPr>
+                  <a:cxnSpLocks/>
+                  <a:stCxn id="43" idx="5"/>
+                  <a:endCxn id="47" idx="0"/>
+                </p:cNvCxnSpPr>
+                <p:nvPr/>
+              </p:nvCxnSpPr>
+              <p:spPr>
+                <a:xfrm>
+                  <a:off x="5586436" y="2959329"/>
+                  <a:ext cx="287411" cy="202135"/>
+                </a:xfrm>
+                <a:prstGeom prst="straightConnector1">
+                  <a:avLst/>
+                </a:prstGeom>
+                <a:ln>
+                  <a:tailEnd type="triangle"/>
+                </a:ln>
+              </p:spPr>
+              <p:style>
+                <a:lnRef idx="1">
+                  <a:schemeClr val="accent1"/>
+                </a:lnRef>
+                <a:fillRef idx="0">
+                  <a:schemeClr val="accent1"/>
+                </a:fillRef>
+                <a:effectRef idx="0">
+                  <a:schemeClr val="accent1"/>
+                </a:effectRef>
+                <a:fontRef idx="minor">
+                  <a:schemeClr val="tx1"/>
+                </a:fontRef>
+              </p:style>
+            </p:cxnSp>
+            <p:sp>
+              <p:nvSpPr>
+                <p:cNvPr id="47" name="Oval 46">
+                  <a:extLst>
+                    <a:ext uri="{FF2B5EF4-FFF2-40B4-BE49-F238E27FC236}">
+                      <a16:creationId xmlns:a16="http://schemas.microsoft.com/office/drawing/2014/main" id="{7E8AB9F8-6350-4E3B-9F2B-FA95B11D9411}"/>
+                    </a:ext>
+                  </a:extLst>
+                </p:cNvPr>
+                <p:cNvSpPr/>
+                <p:nvPr/>
+              </p:nvSpPr>
+              <p:spPr>
+                <a:xfrm>
+                  <a:off x="5649403" y="3161464"/>
+                  <a:ext cx="448887" cy="448887"/>
+                </a:xfrm>
+                <a:prstGeom prst="ellipse">
+                  <a:avLst/>
+                </a:prstGeom>
+                <a:solidFill>
+                  <a:srgbClr val="00B0F0"/>
+                </a:solidFill>
+                <a:ln>
+                  <a:solidFill>
+                    <a:schemeClr val="tx1"/>
+                  </a:solidFill>
+                </a:ln>
+              </p:spPr>
+              <p:style>
+                <a:lnRef idx="2">
+                  <a:schemeClr val="accent1">
+                    <a:shade val="50000"/>
+                  </a:schemeClr>
+                </a:lnRef>
+                <a:fillRef idx="1">
+                  <a:schemeClr val="accent1"/>
+                </a:fillRef>
+                <a:effectRef idx="0">
+                  <a:schemeClr val="accent1"/>
+                </a:effectRef>
+                <a:fontRef idx="minor">
+                  <a:schemeClr val="lt1"/>
+                </a:fontRef>
+              </p:style>
+              <p:txBody>
+                <a:bodyPr rtlCol="0" anchor="ctr"/>
+                <a:lstStyle/>
+                <a:p>
+                  <a:pPr algn="ctr"/>
+                  <a:endParaRPr lang="en-GB"/>
+                </a:p>
+              </p:txBody>
+            </p:sp>
+            <p:sp>
+              <p:nvSpPr>
+                <p:cNvPr id="48" name="Oval 47">
+                  <a:extLst>
+                    <a:ext uri="{FF2B5EF4-FFF2-40B4-BE49-F238E27FC236}">
+                      <a16:creationId xmlns:a16="http://schemas.microsoft.com/office/drawing/2014/main" id="{4FFA0829-8413-4D45-87E1-68428590B8C5}"/>
+                    </a:ext>
+                  </a:extLst>
+                </p:cNvPr>
+                <p:cNvSpPr/>
+                <p:nvPr/>
+              </p:nvSpPr>
+              <p:spPr>
+                <a:xfrm>
+                  <a:off x="6864588" y="2590174"/>
+                  <a:ext cx="448887" cy="448887"/>
+                </a:xfrm>
+                <a:prstGeom prst="ellipse">
+                  <a:avLst/>
+                </a:prstGeom>
+                <a:solidFill>
+                  <a:srgbClr val="00B0F0"/>
+                </a:solidFill>
+                <a:ln>
+                  <a:solidFill>
+                    <a:schemeClr val="tx1"/>
+                  </a:solidFill>
+                </a:ln>
+              </p:spPr>
+              <p:style>
+                <a:lnRef idx="2">
+                  <a:schemeClr val="accent1">
+                    <a:shade val="50000"/>
+                  </a:schemeClr>
+                </a:lnRef>
+                <a:fillRef idx="1">
+                  <a:schemeClr val="accent1"/>
+                </a:fillRef>
+                <a:effectRef idx="0">
+                  <a:schemeClr val="accent1"/>
+                </a:effectRef>
+                <a:fontRef idx="minor">
+                  <a:schemeClr val="lt1"/>
+                </a:fontRef>
+              </p:style>
+              <p:txBody>
+                <a:bodyPr rtlCol="0" anchor="ctr"/>
+                <a:lstStyle/>
+                <a:p>
+                  <a:pPr algn="ctr"/>
+                  <a:endParaRPr lang="en-GB"/>
+                </a:p>
+              </p:txBody>
+            </p:sp>
+            <p:cxnSp>
+              <p:nvCxnSpPr>
+                <p:cNvPr id="49" name="Straight Arrow Connector 48">
+                  <a:extLst>
+                    <a:ext uri="{FF2B5EF4-FFF2-40B4-BE49-F238E27FC236}">
+                      <a16:creationId xmlns:a16="http://schemas.microsoft.com/office/drawing/2014/main" id="{A2A29619-93C5-4F8D-AA17-74DF311CF5F4}"/>
+                    </a:ext>
+                  </a:extLst>
+                </p:cNvPr>
+                <p:cNvCxnSpPr>
+                  <a:cxnSpLocks/>
+                  <a:stCxn id="48" idx="3"/>
+                  <a:endCxn id="50" idx="0"/>
+                </p:cNvCxnSpPr>
+                <p:nvPr/>
+              </p:nvCxnSpPr>
+              <p:spPr>
+                <a:xfrm flipH="1">
+                  <a:off x="6640145" y="2973323"/>
+                  <a:ext cx="290181" cy="216129"/>
+                </a:xfrm>
+                <a:prstGeom prst="straightConnector1">
+                  <a:avLst/>
+                </a:prstGeom>
+                <a:ln>
+                  <a:tailEnd type="triangle"/>
+                </a:ln>
+              </p:spPr>
+              <p:style>
+                <a:lnRef idx="1">
+                  <a:schemeClr val="accent1"/>
+                </a:lnRef>
+                <a:fillRef idx="0">
+                  <a:schemeClr val="accent1"/>
+                </a:fillRef>
+                <a:effectRef idx="0">
+                  <a:schemeClr val="accent1"/>
+                </a:effectRef>
+                <a:fontRef idx="minor">
+                  <a:schemeClr val="tx1"/>
+                </a:fontRef>
+              </p:style>
+            </p:cxnSp>
+            <p:sp>
+              <p:nvSpPr>
+                <p:cNvPr id="50" name="Oval 49">
+                  <a:extLst>
+                    <a:ext uri="{FF2B5EF4-FFF2-40B4-BE49-F238E27FC236}">
+                      <a16:creationId xmlns:a16="http://schemas.microsoft.com/office/drawing/2014/main" id="{27290B76-A5BA-4BC6-9F2A-1EAE0E987F50}"/>
+                    </a:ext>
+                  </a:extLst>
+                </p:cNvPr>
+                <p:cNvSpPr/>
+                <p:nvPr/>
+              </p:nvSpPr>
+              <p:spPr>
+                <a:xfrm>
+                  <a:off x="6415701" y="3189452"/>
+                  <a:ext cx="448887" cy="448887"/>
+                </a:xfrm>
+                <a:prstGeom prst="ellipse">
+                  <a:avLst/>
+                </a:prstGeom>
+                <a:solidFill>
+                  <a:srgbClr val="00B0F0"/>
+                </a:solidFill>
+                <a:ln>
+                  <a:solidFill>
+                    <a:schemeClr val="tx1"/>
+                  </a:solidFill>
+                </a:ln>
+              </p:spPr>
+              <p:style>
+                <a:lnRef idx="2">
+                  <a:schemeClr val="accent1">
+                    <a:shade val="50000"/>
+                  </a:schemeClr>
+                </a:lnRef>
+                <a:fillRef idx="1">
+                  <a:schemeClr val="accent1"/>
+                </a:fillRef>
+                <a:effectRef idx="0">
+                  <a:schemeClr val="accent1"/>
+                </a:effectRef>
+                <a:fontRef idx="minor">
+                  <a:schemeClr val="lt1"/>
+                </a:fontRef>
+              </p:style>
+              <p:txBody>
+                <a:bodyPr rtlCol="0" anchor="ctr"/>
+                <a:lstStyle/>
+                <a:p>
+                  <a:pPr algn="ctr"/>
+                  <a:endParaRPr lang="en-GB"/>
+                </a:p>
+              </p:txBody>
+            </p:sp>
+            <p:cxnSp>
+              <p:nvCxnSpPr>
+                <p:cNvPr id="51" name="Straight Arrow Connector 50">
+                  <a:extLst>
+                    <a:ext uri="{FF2B5EF4-FFF2-40B4-BE49-F238E27FC236}">
+                      <a16:creationId xmlns:a16="http://schemas.microsoft.com/office/drawing/2014/main" id="{E3A1854C-F4F9-42F5-8E9C-877CB6099EA9}"/>
+                    </a:ext>
+                  </a:extLst>
+                </p:cNvPr>
+                <p:cNvCxnSpPr>
+                  <a:cxnSpLocks/>
+                  <a:stCxn id="48" idx="5"/>
+                  <a:endCxn id="52" idx="0"/>
+                </p:cNvCxnSpPr>
+                <p:nvPr/>
+              </p:nvCxnSpPr>
+              <p:spPr>
+                <a:xfrm>
+                  <a:off x="7247737" y="2973323"/>
+                  <a:ext cx="287411" cy="202135"/>
+                </a:xfrm>
+                <a:prstGeom prst="straightConnector1">
+                  <a:avLst/>
+                </a:prstGeom>
+                <a:ln>
+                  <a:tailEnd type="triangle"/>
+                </a:ln>
+              </p:spPr>
+              <p:style>
+                <a:lnRef idx="1">
+                  <a:schemeClr val="accent1"/>
+                </a:lnRef>
+                <a:fillRef idx="0">
+                  <a:schemeClr val="accent1"/>
+                </a:fillRef>
+                <a:effectRef idx="0">
+                  <a:schemeClr val="accent1"/>
+                </a:effectRef>
+                <a:fontRef idx="minor">
+                  <a:schemeClr val="tx1"/>
+                </a:fontRef>
+              </p:style>
+            </p:cxnSp>
+            <p:sp>
+              <p:nvSpPr>
+                <p:cNvPr id="52" name="Oval 51">
+                  <a:extLst>
+                    <a:ext uri="{FF2B5EF4-FFF2-40B4-BE49-F238E27FC236}">
+                      <a16:creationId xmlns:a16="http://schemas.microsoft.com/office/drawing/2014/main" id="{481A51AF-0D93-4A88-BFA2-B23FBAFDA713}"/>
+                    </a:ext>
+                  </a:extLst>
+                </p:cNvPr>
+                <p:cNvSpPr/>
+                <p:nvPr/>
+              </p:nvSpPr>
+              <p:spPr>
+                <a:xfrm>
+                  <a:off x="7310704" y="3175458"/>
+                  <a:ext cx="448887" cy="448887"/>
+                </a:xfrm>
+                <a:prstGeom prst="ellipse">
+                  <a:avLst/>
+                </a:prstGeom>
+                <a:solidFill>
+                  <a:srgbClr val="00B0F0"/>
+                </a:solidFill>
+                <a:ln>
+                  <a:solidFill>
+                    <a:schemeClr val="tx1"/>
+                  </a:solidFill>
+                </a:ln>
+              </p:spPr>
+              <p:style>
+                <a:lnRef idx="2">
+                  <a:schemeClr val="accent1">
+                    <a:shade val="50000"/>
+                  </a:schemeClr>
+                </a:lnRef>
+                <a:fillRef idx="1">
+                  <a:schemeClr val="accent1"/>
+                </a:fillRef>
+                <a:effectRef idx="0">
+                  <a:schemeClr val="accent1"/>
+                </a:effectRef>
+                <a:fontRef idx="minor">
+                  <a:schemeClr val="lt1"/>
+                </a:fontRef>
+              </p:style>
+              <p:txBody>
+                <a:bodyPr rtlCol="0" anchor="ctr"/>
+                <a:lstStyle/>
+                <a:p>
+                  <a:pPr algn="ctr"/>
+                  <a:endParaRPr lang="en-GB"/>
+                </a:p>
+              </p:txBody>
+            </p:sp>
+            <p:cxnSp>
+              <p:nvCxnSpPr>
+                <p:cNvPr id="53" name="Straight Arrow Connector 52">
+                  <a:extLst>
+                    <a:ext uri="{FF2B5EF4-FFF2-40B4-BE49-F238E27FC236}">
+                      <a16:creationId xmlns:a16="http://schemas.microsoft.com/office/drawing/2014/main" id="{55FABF0B-3774-4AF6-B87C-4E61E32D9B46}"/>
+                    </a:ext>
+                  </a:extLst>
+                </p:cNvPr>
+                <p:cNvCxnSpPr>
+                  <a:cxnSpLocks/>
+                  <a:stCxn id="11" idx="5"/>
+                  <a:endCxn id="48" idx="0"/>
+                </p:cNvCxnSpPr>
+                <p:nvPr/>
+              </p:nvCxnSpPr>
+              <p:spPr>
+                <a:xfrm>
+                  <a:off x="6479149" y="2184379"/>
+                  <a:ext cx="609883" cy="405795"/>
+                </a:xfrm>
+                <a:prstGeom prst="straightConnector1">
+                  <a:avLst/>
+                </a:prstGeom>
+                <a:ln>
+                  <a:tailEnd type="triangle"/>
+                </a:ln>
+              </p:spPr>
+              <p:style>
+                <a:lnRef idx="1">
+                  <a:schemeClr val="accent1"/>
+                </a:lnRef>
+                <a:fillRef idx="0">
+                  <a:schemeClr val="accent1"/>
+                </a:fillRef>
+                <a:effectRef idx="0">
+                  <a:schemeClr val="accent1"/>
+                </a:effectRef>
+                <a:fontRef idx="minor">
+                  <a:schemeClr val="tx1"/>
+                </a:fontRef>
+              </p:style>
+            </p:cxnSp>
+            <p:cxnSp>
+              <p:nvCxnSpPr>
+                <p:cNvPr id="54" name="Straight Arrow Connector 53">
+                  <a:extLst>
+                    <a:ext uri="{FF2B5EF4-FFF2-40B4-BE49-F238E27FC236}">
+                      <a16:creationId xmlns:a16="http://schemas.microsoft.com/office/drawing/2014/main" id="{2E171BDB-9B98-4E48-ADF5-64B21A2E8576}"/>
+                    </a:ext>
+                  </a:extLst>
+                </p:cNvPr>
+                <p:cNvCxnSpPr>
+                  <a:cxnSpLocks/>
+                  <a:stCxn id="11" idx="3"/>
+                  <a:endCxn id="43" idx="0"/>
+                </p:cNvCxnSpPr>
+                <p:nvPr/>
+              </p:nvCxnSpPr>
+              <p:spPr>
+                <a:xfrm flipH="1">
+                  <a:off x="5427731" y="2184379"/>
+                  <a:ext cx="734007" cy="391801"/>
+                </a:xfrm>
+                <a:prstGeom prst="straightConnector1">
+                  <a:avLst/>
+                </a:prstGeom>
+                <a:ln>
+                  <a:tailEnd type="triangle"/>
+                </a:ln>
+              </p:spPr>
+              <p:style>
+                <a:lnRef idx="1">
+                  <a:schemeClr val="accent1"/>
+                </a:lnRef>
+                <a:fillRef idx="0">
+                  <a:schemeClr val="accent1"/>
+                </a:fillRef>
+                <a:effectRef idx="0">
+                  <a:schemeClr val="accent1"/>
+                </a:effectRef>
+                <a:fontRef idx="minor">
+                  <a:schemeClr val="tx1"/>
+                </a:fontRef>
+              </p:style>
+            </p:cxnSp>
+          </p:grpSp>
+          <p:sp>
+            <p:nvSpPr>
+              <p:cNvPr id="67" name="TextBox 66">
+                <a:extLst>
+                  <a:ext uri="{FF2B5EF4-FFF2-40B4-BE49-F238E27FC236}">
+                    <a16:creationId xmlns:a16="http://schemas.microsoft.com/office/drawing/2014/main" id="{BCB7D833-4D7C-4125-8A15-17ED2111E960}"/>
+                  </a:ext>
+                </a:extLst>
+              </p:cNvPr>
+              <p:cNvSpPr txBox="1"/>
+              <p:nvPr/>
+            </p:nvSpPr>
+            <p:spPr>
+              <a:xfrm>
+                <a:off x="2910442" y="1246909"/>
+                <a:ext cx="263214" cy="276999"/>
+              </a:xfrm>
+              <a:prstGeom prst="rect">
+                <a:avLst/>
+              </a:prstGeom>
+              <a:noFill/>
+            </p:spPr>
+            <p:txBody>
+              <a:bodyPr wrap="none" rtlCol="0">
+                <a:spAutoFit/>
+              </a:bodyPr>
+              <a:lstStyle/>
+              <a:p>
+                <a:r>
+                  <a:rPr lang="en-US" sz="1200" dirty="0"/>
+                  <a:t>2</a:t>
+                </a:r>
+                <a:endParaRPr lang="en-GB" dirty="0"/>
+              </a:p>
+            </p:txBody>
+          </p:sp>
+          <p:sp>
+            <p:nvSpPr>
+              <p:cNvPr id="68" name="TextBox 67">
+                <a:extLst>
+                  <a:ext uri="{FF2B5EF4-FFF2-40B4-BE49-F238E27FC236}">
+                    <a16:creationId xmlns:a16="http://schemas.microsoft.com/office/drawing/2014/main" id="{9C83334F-B38B-4E76-98B9-EC76C2D3EAC5}"/>
+                  </a:ext>
+                </a:extLst>
+              </p:cNvPr>
+              <p:cNvSpPr txBox="1"/>
+              <p:nvPr/>
+            </p:nvSpPr>
+            <p:spPr>
+              <a:xfrm>
+                <a:off x="4231814" y="1249680"/>
+                <a:ext cx="263214" cy="276999"/>
+              </a:xfrm>
+              <a:prstGeom prst="rect">
+                <a:avLst/>
+              </a:prstGeom>
+              <a:noFill/>
+            </p:spPr>
+            <p:txBody>
+              <a:bodyPr wrap="none" rtlCol="0">
+                <a:spAutoFit/>
+              </a:bodyPr>
+              <a:lstStyle/>
+              <a:p>
+                <a:r>
+                  <a:rPr lang="en-US" sz="1200" dirty="0"/>
+                  <a:t>1</a:t>
+                </a:r>
+                <a:endParaRPr lang="en-GB" dirty="0"/>
+              </a:p>
+            </p:txBody>
+          </p:sp>
+          <p:sp>
+            <p:nvSpPr>
+              <p:cNvPr id="69" name="TextBox 68">
+                <a:extLst>
+                  <a:ext uri="{FF2B5EF4-FFF2-40B4-BE49-F238E27FC236}">
+                    <a16:creationId xmlns:a16="http://schemas.microsoft.com/office/drawing/2014/main" id="{CF90A937-90BC-4863-A00B-68BB9767C37C}"/>
+                  </a:ext>
+                </a:extLst>
+              </p:cNvPr>
+              <p:cNvSpPr txBox="1"/>
+              <p:nvPr/>
+            </p:nvSpPr>
+            <p:spPr>
+              <a:xfrm>
+                <a:off x="4307726" y="1760810"/>
+                <a:ext cx="263214" cy="276999"/>
+              </a:xfrm>
+              <a:prstGeom prst="rect">
+                <a:avLst/>
+              </a:prstGeom>
+              <a:noFill/>
+            </p:spPr>
+            <p:txBody>
+              <a:bodyPr wrap="none" rtlCol="0">
+                <a:spAutoFit/>
+              </a:bodyPr>
+              <a:lstStyle/>
+              <a:p>
+                <a:r>
+                  <a:rPr lang="en-US" sz="1200" dirty="0"/>
+                  <a:t>5</a:t>
+                </a:r>
+                <a:endParaRPr lang="en-GB" dirty="0"/>
+              </a:p>
+            </p:txBody>
+          </p:sp>
+          <p:sp>
+            <p:nvSpPr>
+              <p:cNvPr id="70" name="TextBox 69">
+                <a:extLst>
+                  <a:ext uri="{FF2B5EF4-FFF2-40B4-BE49-F238E27FC236}">
+                    <a16:creationId xmlns:a16="http://schemas.microsoft.com/office/drawing/2014/main" id="{322FBFC0-DA6F-4861-94F7-CC9D2431C4E9}"/>
+                  </a:ext>
+                </a:extLst>
+              </p:cNvPr>
+              <p:cNvSpPr txBox="1"/>
+              <p:nvPr/>
+            </p:nvSpPr>
+            <p:spPr>
+              <a:xfrm>
+                <a:off x="2763976" y="1737869"/>
+                <a:ext cx="263214" cy="276999"/>
+              </a:xfrm>
+              <a:prstGeom prst="rect">
+                <a:avLst/>
+              </a:prstGeom>
+              <a:noFill/>
+            </p:spPr>
+            <p:txBody>
+              <a:bodyPr wrap="none" rtlCol="0">
+                <a:spAutoFit/>
+              </a:bodyPr>
+              <a:lstStyle/>
+              <a:p>
+                <a:r>
+                  <a:rPr lang="en-US" sz="1200" dirty="0"/>
+                  <a:t>2</a:t>
+                </a:r>
+                <a:endParaRPr lang="en-GB" dirty="0"/>
+              </a:p>
+            </p:txBody>
+          </p:sp>
+          <p:sp>
+            <p:nvSpPr>
+              <p:cNvPr id="71" name="TextBox 70">
+                <a:extLst>
+                  <a:ext uri="{FF2B5EF4-FFF2-40B4-BE49-F238E27FC236}">
+                    <a16:creationId xmlns:a16="http://schemas.microsoft.com/office/drawing/2014/main" id="{3E27A318-22BE-490D-A89C-AFB0B6D5A1E3}"/>
+                  </a:ext>
+                </a:extLst>
+              </p:cNvPr>
+              <p:cNvSpPr txBox="1"/>
+              <p:nvPr/>
+            </p:nvSpPr>
+            <p:spPr>
+              <a:xfrm>
+                <a:off x="1470230" y="2256737"/>
+                <a:ext cx="263214" cy="276999"/>
+              </a:xfrm>
+              <a:prstGeom prst="rect">
+                <a:avLst/>
+              </a:prstGeom>
+              <a:noFill/>
+            </p:spPr>
+            <p:txBody>
+              <a:bodyPr wrap="none" rtlCol="0">
+                <a:spAutoFit/>
+              </a:bodyPr>
+              <a:lstStyle/>
+              <a:p>
+                <a:r>
+                  <a:rPr lang="en-US" sz="1200" dirty="0"/>
+                  <a:t>1</a:t>
+                </a:r>
+                <a:endParaRPr lang="en-GB" dirty="0"/>
+              </a:p>
+            </p:txBody>
+          </p:sp>
+          <p:sp>
+            <p:nvSpPr>
+              <p:cNvPr id="72" name="TextBox 71">
+                <a:extLst>
+                  <a:ext uri="{FF2B5EF4-FFF2-40B4-BE49-F238E27FC236}">
+                    <a16:creationId xmlns:a16="http://schemas.microsoft.com/office/drawing/2014/main" id="{30AB4D4E-6329-47DE-94FE-25E9646FC7BD}"/>
+                  </a:ext>
+                </a:extLst>
+              </p:cNvPr>
+              <p:cNvSpPr txBox="1"/>
+              <p:nvPr/>
+            </p:nvSpPr>
+            <p:spPr>
+              <a:xfrm>
+                <a:off x="1996440" y="1746835"/>
+                <a:ext cx="263214" cy="276999"/>
+              </a:xfrm>
+              <a:prstGeom prst="rect">
+                <a:avLst/>
+              </a:prstGeom>
+              <a:noFill/>
+            </p:spPr>
+            <p:txBody>
+              <a:bodyPr wrap="none" rtlCol="0">
+                <a:spAutoFit/>
+              </a:bodyPr>
+              <a:lstStyle/>
+              <a:p>
+                <a:r>
+                  <a:rPr lang="en-US" sz="1200" dirty="0"/>
+                  <a:t>1</a:t>
+                </a:r>
+                <a:endParaRPr lang="en-GB" dirty="0"/>
+              </a:p>
+            </p:txBody>
+          </p:sp>
+          <p:sp>
+            <p:nvSpPr>
+              <p:cNvPr id="73" name="TextBox 72">
+                <a:extLst>
+                  <a:ext uri="{FF2B5EF4-FFF2-40B4-BE49-F238E27FC236}">
+                    <a16:creationId xmlns:a16="http://schemas.microsoft.com/office/drawing/2014/main" id="{5A714497-25B8-4CF3-B41B-2CDBE49E28B0}"/>
+                  </a:ext>
+                </a:extLst>
+              </p:cNvPr>
+              <p:cNvSpPr txBox="1"/>
+              <p:nvPr/>
+            </p:nvSpPr>
+            <p:spPr>
+              <a:xfrm>
+                <a:off x="5007740" y="2261080"/>
+                <a:ext cx="263214" cy="276999"/>
+              </a:xfrm>
+              <a:prstGeom prst="rect">
+                <a:avLst/>
+              </a:prstGeom>
+              <a:noFill/>
+            </p:spPr>
+            <p:txBody>
+              <a:bodyPr wrap="none" rtlCol="0">
+                <a:spAutoFit/>
+              </a:bodyPr>
+              <a:lstStyle/>
+              <a:p>
+                <a:r>
+                  <a:rPr lang="en-US" sz="1200" dirty="0"/>
+                  <a:t>4</a:t>
+                </a:r>
+                <a:endParaRPr lang="en-GB" dirty="0"/>
+              </a:p>
+            </p:txBody>
+          </p:sp>
+          <p:sp>
+            <p:nvSpPr>
+              <p:cNvPr id="74" name="TextBox 73">
+                <a:extLst>
+                  <a:ext uri="{FF2B5EF4-FFF2-40B4-BE49-F238E27FC236}">
+                    <a16:creationId xmlns:a16="http://schemas.microsoft.com/office/drawing/2014/main" id="{14004937-B767-453E-B834-A26BD8D06C2D}"/>
+                  </a:ext>
+                </a:extLst>
+              </p:cNvPr>
+              <p:cNvSpPr txBox="1"/>
+              <p:nvPr/>
+            </p:nvSpPr>
+            <p:spPr>
+              <a:xfrm>
+                <a:off x="5128454" y="1754138"/>
+                <a:ext cx="217169" cy="281053"/>
+              </a:xfrm>
+              <a:prstGeom prst="rect">
+                <a:avLst/>
+              </a:prstGeom>
+              <a:noFill/>
+            </p:spPr>
+            <p:txBody>
+              <a:bodyPr wrap="square" rtlCol="0">
+                <a:spAutoFit/>
+              </a:bodyPr>
+              <a:lstStyle/>
+              <a:p>
+                <a:r>
+                  <a:rPr lang="en-US" sz="1200" dirty="0"/>
+                  <a:t>2</a:t>
+                </a:r>
+                <a:endParaRPr lang="en-GB" dirty="0"/>
+              </a:p>
+            </p:txBody>
+          </p:sp>
+          <p:sp>
+            <p:nvSpPr>
+              <p:cNvPr id="75" name="TextBox 74">
+                <a:extLst>
+                  <a:ext uri="{FF2B5EF4-FFF2-40B4-BE49-F238E27FC236}">
+                    <a16:creationId xmlns:a16="http://schemas.microsoft.com/office/drawing/2014/main" id="{87D80920-52DB-4D08-AB93-3239F95A3675}"/>
+                  </a:ext>
+                </a:extLst>
+              </p:cNvPr>
+              <p:cNvSpPr txBox="1"/>
+              <p:nvPr/>
+            </p:nvSpPr>
+            <p:spPr>
+              <a:xfrm>
+                <a:off x="5528922" y="2256737"/>
+                <a:ext cx="263214" cy="276999"/>
+              </a:xfrm>
+              <a:prstGeom prst="rect">
+                <a:avLst/>
+              </a:prstGeom>
+              <a:noFill/>
+            </p:spPr>
+            <p:txBody>
+              <a:bodyPr wrap="none" rtlCol="0">
+                <a:spAutoFit/>
+              </a:bodyPr>
+              <a:lstStyle/>
+              <a:p>
+                <a:r>
+                  <a:rPr lang="en-US" sz="1200" dirty="0"/>
+                  <a:t>1</a:t>
+                </a:r>
+                <a:endParaRPr lang="en-GB" dirty="0"/>
+              </a:p>
+            </p:txBody>
+          </p:sp>
+          <p:sp>
+            <p:nvSpPr>
+              <p:cNvPr id="76" name="TextBox 75">
+                <a:extLst>
+                  <a:ext uri="{FF2B5EF4-FFF2-40B4-BE49-F238E27FC236}">
+                    <a16:creationId xmlns:a16="http://schemas.microsoft.com/office/drawing/2014/main" id="{0B4B4743-C82F-4795-9F55-9E0969E2FD6C}"/>
+                  </a:ext>
+                </a:extLst>
+              </p:cNvPr>
+              <p:cNvSpPr txBox="1"/>
+              <p:nvPr/>
+            </p:nvSpPr>
+            <p:spPr>
+              <a:xfrm>
+                <a:off x="2030187" y="2258807"/>
+                <a:ext cx="263214" cy="276999"/>
+              </a:xfrm>
+              <a:prstGeom prst="rect">
+                <a:avLst/>
+              </a:prstGeom>
+              <a:noFill/>
+            </p:spPr>
+            <p:txBody>
+              <a:bodyPr wrap="none" rtlCol="0">
+                <a:spAutoFit/>
+              </a:bodyPr>
+              <a:lstStyle/>
+              <a:p>
+                <a:r>
+                  <a:rPr lang="en-US" sz="1200" dirty="0"/>
+                  <a:t>2</a:t>
+                </a:r>
+                <a:endParaRPr lang="en-GB" dirty="0"/>
+              </a:p>
+            </p:txBody>
+          </p:sp>
+          <p:sp>
+            <p:nvSpPr>
+              <p:cNvPr id="77" name="TextBox 76">
+                <a:extLst>
+                  <a:ext uri="{FF2B5EF4-FFF2-40B4-BE49-F238E27FC236}">
+                    <a16:creationId xmlns:a16="http://schemas.microsoft.com/office/drawing/2014/main" id="{A448CF98-E354-43E7-AD09-E8BD8E2775A9}"/>
+                  </a:ext>
+                </a:extLst>
+              </p:cNvPr>
+              <p:cNvSpPr txBox="1"/>
+              <p:nvPr/>
+            </p:nvSpPr>
+            <p:spPr>
+              <a:xfrm>
+                <a:off x="2597524" y="2253597"/>
+                <a:ext cx="263214" cy="276999"/>
+              </a:xfrm>
+              <a:prstGeom prst="rect">
+                <a:avLst/>
+              </a:prstGeom>
+              <a:noFill/>
+            </p:spPr>
+            <p:txBody>
+              <a:bodyPr wrap="none" rtlCol="0">
+                <a:spAutoFit/>
+              </a:bodyPr>
+              <a:lstStyle/>
+              <a:p>
+                <a:r>
+                  <a:rPr lang="en-US" sz="1200" dirty="0"/>
+                  <a:t>1</a:t>
+                </a:r>
+                <a:endParaRPr lang="en-GB" dirty="0"/>
+              </a:p>
+            </p:txBody>
+          </p:sp>
+          <p:sp>
+            <p:nvSpPr>
+              <p:cNvPr id="78" name="TextBox 77">
+                <a:extLst>
+                  <a:ext uri="{FF2B5EF4-FFF2-40B4-BE49-F238E27FC236}">
+                    <a16:creationId xmlns:a16="http://schemas.microsoft.com/office/drawing/2014/main" id="{40410977-65E4-4B36-A420-56FB27F5D0C3}"/>
+                  </a:ext>
+                </a:extLst>
+              </p:cNvPr>
+              <p:cNvSpPr txBox="1"/>
+              <p:nvPr/>
+            </p:nvSpPr>
+            <p:spPr>
+              <a:xfrm>
+                <a:off x="3181224" y="2256737"/>
+                <a:ext cx="263214" cy="276999"/>
+              </a:xfrm>
+              <a:prstGeom prst="rect">
+                <a:avLst/>
+              </a:prstGeom>
+              <a:noFill/>
+            </p:spPr>
+            <p:txBody>
+              <a:bodyPr wrap="none" rtlCol="0">
+                <a:spAutoFit/>
+              </a:bodyPr>
+              <a:lstStyle/>
+              <a:p>
+                <a:r>
+                  <a:rPr lang="en-US" sz="1200" dirty="0"/>
+                  <a:t>3</a:t>
+                </a:r>
+                <a:endParaRPr lang="en-GB" dirty="0"/>
+              </a:p>
+            </p:txBody>
+          </p:sp>
+          <p:sp>
+            <p:nvSpPr>
+              <p:cNvPr id="79" name="TextBox 78">
+                <a:extLst>
+                  <a:ext uri="{FF2B5EF4-FFF2-40B4-BE49-F238E27FC236}">
+                    <a16:creationId xmlns:a16="http://schemas.microsoft.com/office/drawing/2014/main" id="{6967F748-8E3F-46B7-8DD3-7B17C2DCD8DC}"/>
+                  </a:ext>
+                </a:extLst>
+              </p:cNvPr>
+              <p:cNvSpPr txBox="1"/>
+              <p:nvPr/>
+            </p:nvSpPr>
+            <p:spPr>
+              <a:xfrm>
+                <a:off x="3758673" y="2261078"/>
+                <a:ext cx="263214" cy="276999"/>
+              </a:xfrm>
+              <a:prstGeom prst="rect">
+                <a:avLst/>
+              </a:prstGeom>
+              <a:noFill/>
+            </p:spPr>
+            <p:txBody>
+              <a:bodyPr wrap="none" rtlCol="0">
+                <a:spAutoFit/>
+              </a:bodyPr>
+              <a:lstStyle/>
+              <a:p>
+                <a:r>
+                  <a:rPr lang="en-US" sz="1200" dirty="0"/>
+                  <a:t>5</a:t>
+                </a:r>
+                <a:endParaRPr lang="en-GB" dirty="0"/>
+              </a:p>
+            </p:txBody>
+          </p:sp>
+          <p:sp>
+            <p:nvSpPr>
+              <p:cNvPr id="80" name="TextBox 79">
+                <a:extLst>
+                  <a:ext uri="{FF2B5EF4-FFF2-40B4-BE49-F238E27FC236}">
+                    <a16:creationId xmlns:a16="http://schemas.microsoft.com/office/drawing/2014/main" id="{CC5C836D-4E59-4FD4-8D24-49B7E5210F76}"/>
+                  </a:ext>
+                </a:extLst>
+              </p:cNvPr>
+              <p:cNvSpPr txBox="1"/>
+              <p:nvPr/>
+            </p:nvSpPr>
+            <p:spPr>
+              <a:xfrm>
+                <a:off x="4358389" y="2261079"/>
+                <a:ext cx="263214" cy="276999"/>
+              </a:xfrm>
+              <a:prstGeom prst="rect">
+                <a:avLst/>
+              </a:prstGeom>
+              <a:noFill/>
+            </p:spPr>
+            <p:txBody>
+              <a:bodyPr wrap="none" rtlCol="0">
+                <a:spAutoFit/>
+              </a:bodyPr>
+              <a:lstStyle/>
+              <a:p>
+                <a:r>
+                  <a:rPr lang="en-US" sz="1200" dirty="0"/>
+                  <a:t>3</a:t>
+                </a:r>
+                <a:endParaRPr lang="en-GB" dirty="0"/>
+              </a:p>
+            </p:txBody>
+          </p:sp>
+        </p:grpSp>
+        <mc:AlternateContent xmlns:mc="http://schemas.openxmlformats.org/markup-compatibility/2006">
+          <mc:Choice xmlns:a14="http://schemas.microsoft.com/office/drawing/2010/main" Requires="a14">
+            <p:sp>
+              <p:nvSpPr>
+                <p:cNvPr id="2" name="TextBox 1">
+                  <a:extLst>
+                    <a:ext uri="{FF2B5EF4-FFF2-40B4-BE49-F238E27FC236}">
+                      <a16:creationId xmlns:a16="http://schemas.microsoft.com/office/drawing/2014/main" id="{FA2A08E0-4586-4D9E-AD56-39F71A3B6F61}"/>
+                    </a:ext>
+                  </a:extLst>
+                </p:cNvPr>
+                <p:cNvSpPr txBox="1"/>
+                <p:nvPr/>
+              </p:nvSpPr>
+              <p:spPr>
+                <a:xfrm>
+                  <a:off x="5889338" y="1285860"/>
+                  <a:ext cx="644214" cy="184666"/>
+                </a:xfrm>
+                <a:prstGeom prst="rect">
+                  <a:avLst/>
+                </a:prstGeom>
+                <a:noFill/>
+              </p:spPr>
+              <p:txBody>
+                <a:bodyPr wrap="none" lIns="0" tIns="0" rIns="0" bIns="0" rtlCol="0">
+                  <a:spAutoFit/>
+                </a:bodyPr>
+                <a:lstStyle/>
+                <a:p>
+                  <a14:m>
+                    <m:oMathPara xmlns:m="http://schemas.openxmlformats.org/officeDocument/2006/math">
+                      <m:oMathParaPr>
+                        <m:jc m:val="centerGroup"/>
+                      </m:oMathParaPr>
+                      <m:oMath xmlns:m="http://schemas.openxmlformats.org/officeDocument/2006/math">
+                        <m:r>
+                          <a:rPr lang="en-US" sz="1200" b="0" i="1" smtClean="0">
+                            <a:latin typeface="Cambria Math" panose="02040503050406030204" pitchFamily="18" charset="0"/>
+                          </a:rPr>
+                          <m:t>𝑅𝑒𝑤𝑎𝑟</m:t>
+                        </m:r>
+                        <m:sSub>
+                          <m:sSubPr>
+                            <m:ctrlPr>
+                              <a:rPr lang="en-US" sz="1200" b="0" i="1" smtClean="0">
+                                <a:latin typeface="Cambria Math" panose="02040503050406030204" pitchFamily="18" charset="0"/>
+                              </a:rPr>
+                            </m:ctrlPr>
+                          </m:sSubPr>
+                          <m:e>
+                            <m:r>
+                              <a:rPr lang="en-US" sz="1200" b="0" i="1" smtClean="0">
+                                <a:latin typeface="Cambria Math" panose="02040503050406030204" pitchFamily="18" charset="0"/>
+                              </a:rPr>
+                              <m:t>𝑑</m:t>
+                            </m:r>
+                          </m:e>
+                          <m:sub>
+                            <m:r>
+                              <a:rPr lang="en-US" sz="1200" b="0" i="1" smtClean="0">
+                                <a:latin typeface="Cambria Math" panose="02040503050406030204" pitchFamily="18" charset="0"/>
+                              </a:rPr>
+                              <m:t>1</m:t>
+                            </m:r>
+                          </m:sub>
+                        </m:sSub>
+                      </m:oMath>
+                    </m:oMathPara>
+                  </a14:m>
+                  <a:endParaRPr lang="en-GB" sz="1200" dirty="0"/>
+                </a:p>
+              </p:txBody>
+            </p:sp>
+          </mc:Choice>
+          <mc:Fallback>
+            <p:sp>
+              <p:nvSpPr>
+                <p:cNvPr id="2" name="TextBox 1">
+                  <a:extLst>
+                    <a:ext uri="{FF2B5EF4-FFF2-40B4-BE49-F238E27FC236}">
+                      <a16:creationId xmlns:a16="http://schemas.microsoft.com/office/drawing/2014/main" id="{FA2A08E0-4586-4D9E-AD56-39F71A3B6F61}"/>
+                    </a:ext>
+                  </a:extLst>
+                </p:cNvPr>
+                <p:cNvSpPr txBox="1">
+                  <a:spLocks noRot="1" noChangeAspect="1" noMove="1" noResize="1" noEditPoints="1" noAdjustHandles="1" noChangeArrowheads="1" noChangeShapeType="1" noTextEdit="1"/>
+                </p:cNvSpPr>
+                <p:nvPr/>
+              </p:nvSpPr>
+              <p:spPr>
+                <a:xfrm>
+                  <a:off x="5889338" y="1285860"/>
+                  <a:ext cx="644214" cy="184666"/>
+                </a:xfrm>
+                <a:prstGeom prst="rect">
+                  <a:avLst/>
+                </a:prstGeom>
+                <a:blipFill>
+                  <a:blip r:embed="rId2"/>
+                  <a:stretch>
+                    <a:fillRect l="-5660" b="-13333"/>
+                  </a:stretch>
+                </a:blipFill>
+              </p:spPr>
+              <p:txBody>
+                <a:bodyPr/>
+                <a:lstStyle/>
+                <a:p>
+                  <a:r>
+                    <a:rPr lang="en-GB">
+                      <a:noFill/>
+                    </a:rPr>
+                    <a:t> </a:t>
+                  </a:r>
+                </a:p>
+              </p:txBody>
+            </p:sp>
+          </mc:Fallback>
+        </mc:AlternateContent>
+        <mc:AlternateContent xmlns:mc="http://schemas.openxmlformats.org/markup-compatibility/2006">
+          <mc:Choice xmlns:a14="http://schemas.microsoft.com/office/drawing/2010/main" Requires="a14">
+            <p:sp>
+              <p:nvSpPr>
+                <p:cNvPr id="55" name="TextBox 54">
+                  <a:extLst>
+                    <a:ext uri="{FF2B5EF4-FFF2-40B4-BE49-F238E27FC236}">
+                      <a16:creationId xmlns:a16="http://schemas.microsoft.com/office/drawing/2014/main" id="{3A17499A-FCB3-44D6-BDA8-8E9A573BF65C}"/>
+                    </a:ext>
+                  </a:extLst>
+                </p:cNvPr>
+                <p:cNvSpPr txBox="1"/>
+                <p:nvPr/>
+              </p:nvSpPr>
+              <p:spPr>
+                <a:xfrm>
+                  <a:off x="5886030" y="1787909"/>
+                  <a:ext cx="644214" cy="184666"/>
+                </a:xfrm>
+                <a:prstGeom prst="rect">
+                  <a:avLst/>
+                </a:prstGeom>
+                <a:noFill/>
+              </p:spPr>
+              <p:txBody>
+                <a:bodyPr wrap="none" lIns="0" tIns="0" rIns="0" bIns="0" rtlCol="0">
+                  <a:spAutoFit/>
+                </a:bodyPr>
+                <a:lstStyle/>
+                <a:p>
+                  <a14:m>
+                    <m:oMathPara xmlns:m="http://schemas.openxmlformats.org/officeDocument/2006/math">
+                      <m:oMathParaPr>
+                        <m:jc m:val="centerGroup"/>
+                      </m:oMathParaPr>
+                      <m:oMath xmlns:m="http://schemas.openxmlformats.org/officeDocument/2006/math">
+                        <m:r>
+                          <a:rPr lang="en-US" sz="1200" b="0" i="1" smtClean="0">
+                            <a:latin typeface="Cambria Math" panose="02040503050406030204" pitchFamily="18" charset="0"/>
+                          </a:rPr>
+                          <m:t>𝑅𝑒𝑤𝑎𝑟</m:t>
+                        </m:r>
+                        <m:sSub>
+                          <m:sSubPr>
+                            <m:ctrlPr>
+                              <a:rPr lang="en-US" sz="1200" b="0" i="1" smtClean="0">
+                                <a:latin typeface="Cambria Math" panose="02040503050406030204" pitchFamily="18" charset="0"/>
+                              </a:rPr>
+                            </m:ctrlPr>
+                          </m:sSubPr>
+                          <m:e>
+                            <m:r>
+                              <a:rPr lang="en-US" sz="1200" b="0" i="1" smtClean="0">
+                                <a:latin typeface="Cambria Math" panose="02040503050406030204" pitchFamily="18" charset="0"/>
+                              </a:rPr>
+                              <m:t>𝑑</m:t>
+                            </m:r>
+                          </m:e>
+                          <m:sub>
+                            <m:r>
+                              <a:rPr lang="en-US" sz="1200" b="0" i="1" smtClean="0">
+                                <a:latin typeface="Cambria Math" panose="02040503050406030204" pitchFamily="18" charset="0"/>
+                              </a:rPr>
+                              <m:t>2</m:t>
+                            </m:r>
+                          </m:sub>
+                        </m:sSub>
+                      </m:oMath>
+                    </m:oMathPara>
+                  </a14:m>
+                  <a:endParaRPr lang="en-GB" sz="1200" dirty="0"/>
+                </a:p>
+              </p:txBody>
+            </p:sp>
+          </mc:Choice>
+          <mc:Fallback>
+            <p:sp>
+              <p:nvSpPr>
+                <p:cNvPr id="55" name="TextBox 54">
+                  <a:extLst>
+                    <a:ext uri="{FF2B5EF4-FFF2-40B4-BE49-F238E27FC236}">
+                      <a16:creationId xmlns:a16="http://schemas.microsoft.com/office/drawing/2014/main" id="{3A17499A-FCB3-44D6-BDA8-8E9A573BF65C}"/>
+                    </a:ext>
+                  </a:extLst>
+                </p:cNvPr>
+                <p:cNvSpPr txBox="1">
+                  <a:spLocks noRot="1" noChangeAspect="1" noMove="1" noResize="1" noEditPoints="1" noAdjustHandles="1" noChangeArrowheads="1" noChangeShapeType="1" noTextEdit="1"/>
+                </p:cNvSpPr>
+                <p:nvPr/>
+              </p:nvSpPr>
+              <p:spPr>
+                <a:xfrm>
+                  <a:off x="5886030" y="1787909"/>
+                  <a:ext cx="644214" cy="184666"/>
+                </a:xfrm>
+                <a:prstGeom prst="rect">
+                  <a:avLst/>
+                </a:prstGeom>
+                <a:blipFill>
+                  <a:blip r:embed="rId3"/>
+                  <a:stretch>
+                    <a:fillRect l="-5714" r="-952" b="-9677"/>
+                  </a:stretch>
+                </a:blipFill>
+              </p:spPr>
+              <p:txBody>
+                <a:bodyPr/>
+                <a:lstStyle/>
+                <a:p>
+                  <a:r>
+                    <a:rPr lang="en-GB">
+                      <a:noFill/>
+                    </a:rPr>
+                    <a:t> </a:t>
+                  </a:r>
+                </a:p>
+              </p:txBody>
+            </p:sp>
+          </mc:Fallback>
+        </mc:AlternateContent>
+        <mc:AlternateContent xmlns:mc="http://schemas.openxmlformats.org/markup-compatibility/2006">
+          <mc:Choice xmlns:a14="http://schemas.microsoft.com/office/drawing/2010/main" Requires="a14">
+            <p:sp>
+              <p:nvSpPr>
+                <p:cNvPr id="56" name="TextBox 55">
+                  <a:extLst>
+                    <a:ext uri="{FF2B5EF4-FFF2-40B4-BE49-F238E27FC236}">
+                      <a16:creationId xmlns:a16="http://schemas.microsoft.com/office/drawing/2014/main" id="{2A7883D5-3CEA-4609-AC9C-29189DCB4AA2}"/>
+                    </a:ext>
+                  </a:extLst>
+                </p:cNvPr>
+                <p:cNvSpPr txBox="1"/>
+                <p:nvPr/>
+              </p:nvSpPr>
+              <p:spPr>
+                <a:xfrm>
+                  <a:off x="5886030" y="2289959"/>
+                  <a:ext cx="644214" cy="184666"/>
+                </a:xfrm>
+                <a:prstGeom prst="rect">
+                  <a:avLst/>
+                </a:prstGeom>
+                <a:noFill/>
+              </p:spPr>
+              <p:txBody>
+                <a:bodyPr wrap="none" lIns="0" tIns="0" rIns="0" bIns="0" rtlCol="0">
+                  <a:spAutoFit/>
+                </a:bodyPr>
+                <a:lstStyle/>
+                <a:p>
+                  <a14:m>
+                    <m:oMathPara xmlns:m="http://schemas.openxmlformats.org/officeDocument/2006/math">
+                      <m:oMathParaPr>
+                        <m:jc m:val="centerGroup"/>
+                      </m:oMathParaPr>
+                      <m:oMath xmlns:m="http://schemas.openxmlformats.org/officeDocument/2006/math">
+                        <m:r>
+                          <a:rPr lang="en-US" sz="1200" b="0" i="1" smtClean="0">
+                            <a:latin typeface="Cambria Math" panose="02040503050406030204" pitchFamily="18" charset="0"/>
+                          </a:rPr>
+                          <m:t>𝑅𝑒𝑤𝑎𝑟</m:t>
+                        </m:r>
+                        <m:sSub>
+                          <m:sSubPr>
+                            <m:ctrlPr>
+                              <a:rPr lang="en-US" sz="1200" b="0" i="1" smtClean="0">
+                                <a:latin typeface="Cambria Math" panose="02040503050406030204" pitchFamily="18" charset="0"/>
+                              </a:rPr>
+                            </m:ctrlPr>
+                          </m:sSubPr>
+                          <m:e>
+                            <m:r>
+                              <a:rPr lang="en-US" sz="1200" b="0" i="1" smtClean="0">
+                                <a:latin typeface="Cambria Math" panose="02040503050406030204" pitchFamily="18" charset="0"/>
+                              </a:rPr>
+                              <m:t>𝑑</m:t>
+                            </m:r>
+                          </m:e>
+                          <m:sub>
+                            <m:r>
+                              <a:rPr lang="en-US" sz="1200" b="0" i="1" smtClean="0">
+                                <a:latin typeface="Cambria Math" panose="02040503050406030204" pitchFamily="18" charset="0"/>
+                              </a:rPr>
+                              <m:t>3</m:t>
+                            </m:r>
+                          </m:sub>
+                        </m:sSub>
+                      </m:oMath>
+                    </m:oMathPara>
+                  </a14:m>
+                  <a:endParaRPr lang="en-GB" sz="1200" dirty="0"/>
+                </a:p>
+              </p:txBody>
+            </p:sp>
+          </mc:Choice>
+          <mc:Fallback>
+            <p:sp>
+              <p:nvSpPr>
+                <p:cNvPr id="56" name="TextBox 55">
+                  <a:extLst>
+                    <a:ext uri="{FF2B5EF4-FFF2-40B4-BE49-F238E27FC236}">
+                      <a16:creationId xmlns:a16="http://schemas.microsoft.com/office/drawing/2014/main" id="{2A7883D5-3CEA-4609-AC9C-29189DCB4AA2}"/>
+                    </a:ext>
+                  </a:extLst>
+                </p:cNvPr>
+                <p:cNvSpPr txBox="1">
+                  <a:spLocks noRot="1" noChangeAspect="1" noMove="1" noResize="1" noEditPoints="1" noAdjustHandles="1" noChangeArrowheads="1" noChangeShapeType="1" noTextEdit="1"/>
+                </p:cNvSpPr>
+                <p:nvPr/>
+              </p:nvSpPr>
+              <p:spPr>
+                <a:xfrm>
+                  <a:off x="5886030" y="2289959"/>
+                  <a:ext cx="644214" cy="184666"/>
+                </a:xfrm>
+                <a:prstGeom prst="rect">
+                  <a:avLst/>
+                </a:prstGeom>
+                <a:blipFill>
+                  <a:blip r:embed="rId4"/>
+                  <a:stretch>
+                    <a:fillRect l="-5714" r="-952" b="-13333"/>
+                  </a:stretch>
+                </a:blipFill>
+              </p:spPr>
+              <p:txBody>
+                <a:bodyPr/>
+                <a:lstStyle/>
+                <a:p>
+                  <a:r>
+                    <a:rPr lang="en-GB">
+                      <a:noFill/>
+                    </a:rPr>
+                    <a:t> </a:t>
+                  </a:r>
+                </a:p>
+              </p:txBody>
+            </p:sp>
+          </mc:Fallback>
+        </mc:AlternateContent>
+      </p:grpSp>
+    </p:spTree>
+    <p:extLst>
+      <p:ext uri="{BB962C8B-B14F-4D97-AF65-F5344CB8AC3E}">
+        <p14:creationId xmlns:p14="http://schemas.microsoft.com/office/powerpoint/2010/main" val="5499045"/>
+      </p:ext>
+    </p:extLst>
+  </p:cSld>
+  <p:clrMapOvr>
+    <a:masterClrMapping/>
+  </p:clrMapOvr>
+</p:sld>
+</file>
+
 <file path=ppt/theme/theme1.xml><?xml version="1.0" encoding="utf-8"?>
 <a:theme xmlns:a="http://schemas.openxmlformats.org/drawingml/2006/main" name="Office Theme">
   <a:themeElements>
